--- a/Hotelify_ Slides.pptx
+++ b/Hotelify_ Slides.pptx
@@ -1,51 +1,50 @@
 
 <file path=ppt/presentation.xml><?xml version="1.0" encoding="utf-8"?>
-<p:presentation xmlns:a="http://schemas.openxmlformats.org/drawingml/2006/main" xmlns:r="http://schemas.openxmlformats.org/officeDocument/2006/relationships" xmlns:p="http://schemas.openxmlformats.org/presentationml/2006/main" saveSubsetFonts="1" embedTrueTypeFonts="true">
+<p:presentation xmlns:a="http://schemas.openxmlformats.org/drawingml/2006/main" xmlns:r="http://schemas.openxmlformats.org/officeDocument/2006/relationships" xmlns:p="http://schemas.openxmlformats.org/presentationml/2006/main" embedTrueTypeFonts="1" saveSubsetFonts="1">
   <p:sldMasterIdLst>
     <p:sldMasterId id="2147483648" r:id="rId1"/>
   </p:sldMasterIdLst>
   <p:sldIdLst>
-    <p:sldId id="256" r:id="rId6"/>
-    <p:sldId id="257" r:id="rId7"/>
-    <p:sldId id="258" r:id="rId8"/>
-    <p:sldId id="259" r:id="rId9"/>
-    <p:sldId id="260" r:id="rId10"/>
-    <p:sldId id="261" r:id="rId11"/>
-    <p:sldId id="262" r:id="rId12"/>
-    <p:sldId id="263" r:id="rId13"/>
-    <p:sldId id="264" r:id="rId14"/>
-    <p:sldId id="265" r:id="rId15"/>
-    <p:sldId id="266" r:id="rId16"/>
-    <p:sldId id="267" r:id="rId17"/>
-    <p:sldId id="268" r:id="rId18"/>
-    <p:sldId id="269" r:id="rId19"/>
+    <p:sldId id="256" r:id="rId2"/>
+    <p:sldId id="257" r:id="rId3"/>
+    <p:sldId id="258" r:id="rId4"/>
+    <p:sldId id="259" r:id="rId5"/>
+    <p:sldId id="260" r:id="rId6"/>
+    <p:sldId id="261" r:id="rId7"/>
+    <p:sldId id="262" r:id="rId8"/>
+    <p:sldId id="263" r:id="rId9"/>
+    <p:sldId id="264" r:id="rId10"/>
+    <p:sldId id="265" r:id="rId11"/>
+    <p:sldId id="266" r:id="rId12"/>
+    <p:sldId id="267" r:id="rId13"/>
+    <p:sldId id="268" r:id="rId14"/>
   </p:sldIdLst>
   <p:sldSz cx="18288000" cy="10287000"/>
   <p:notesSz cx="6858000" cy="9144000"/>
   <p:embeddedFontLst>
     <p:embeddedFont>
-      <p:font typeface="Roboto Bold" charset="1" panose="02000000000000000000"/>
-      <p:regular r:id="rId20"/>
+      <p:font typeface="Inter" panose="020B0604020202020204" charset="0"/>
+      <p:regular r:id="rId15"/>
     </p:embeddedFont>
     <p:embeddedFont>
-      <p:font typeface="TT Ramillas" charset="1" panose="020E0000080000020004"/>
-      <p:regular r:id="rId21"/>
+      <p:font typeface="Inter Bold" panose="020B0604020202020204" charset="0"/>
+      <p:regular r:id="rId16"/>
     </p:embeddedFont>
     <p:embeddedFont>
-      <p:font typeface="TT Ramillas Italics" charset="1" panose="020E0000080000090004"/>
-      <p:regular r:id="rId22"/>
+      <p:font typeface="Roboto Bold" panose="020B0604020202020204" charset="0"/>
+      <p:regular r:id="rId17"/>
     </p:embeddedFont>
     <p:embeddedFont>
-      <p:font typeface="Inter Bold" charset="1" panose="020B0802030000000004"/>
-      <p:regular r:id="rId23"/>
+      <p:font typeface="TT Ramillas" panose="020B0604020202020204" charset="0"/>
+      <p:regular r:id="rId18"/>
     </p:embeddedFont>
     <p:embeddedFont>
-      <p:font typeface="TT Ramillas Bold" charset="1" panose="020E0000080000020004"/>
-      <p:regular r:id="rId24"/>
+      <p:font typeface="TT Ramillas Bold" panose="020B0604020202020204" charset="0"/>
+      <p:regular r:id="rId19"/>
     </p:embeddedFont>
     <p:embeddedFont>
-      <p:font typeface="Inter" charset="1" panose="020B0502030000000004"/>
-      <p:regular r:id="rId25"/>
+      <p:font typeface="TT Ramillas Italics" panose="020B0604020202020204" charset="0"/>
+      <p:regular r:id="rId20"/>
     </p:embeddedFont>
   </p:embeddedFontLst>
   <p:defaultTextStyle>
@@ -143,6 +142,22 @@
       </a:defRPr>
     </a:lvl9pPr>
   </p:defaultTextStyle>
+  <p:extLst>
+    <p:ext uri="{EFAFB233-063F-42B5-8137-9DF3F51BA10A}">
+      <p15:sldGuideLst xmlns:p15="http://schemas.microsoft.com/office/powerpoint/2012/main">
+        <p15:guide id="1" orient="horz" pos="2160">
+          <p15:clr>
+            <a:srgbClr val="A4A3A4"/>
+          </p15:clr>
+        </p15:guide>
+        <p15:guide id="2" pos="2880">
+          <p15:clr>
+            <a:srgbClr val="A4A3A4"/>
+          </p15:clr>
+        </p15:guide>
+      </p15:sldGuideLst>
+    </p:ext>
+  </p:extLst>
 </p:presentation>
 </file>
 
@@ -184,10 +199,9 @@
           <a:lstStyle/>
           <a:p>
             <a:r>
-              <a:rPr lang="en-US" smtClean="0"/>
+              <a:rPr lang="en-US"/>
               <a:t>Click to edit Master title style</a:t>
             </a:r>
-            <a:endParaRPr lang="en-US"/>
           </a:p>
         </p:txBody>
       </p:sp>
@@ -303,10 +317,9 @@
           </a:lstStyle>
           <a:p>
             <a:r>
-              <a:rPr lang="en-US" smtClean="0"/>
+              <a:rPr lang="en-US"/>
               <a:t>Click to edit Master subtitle style</a:t>
             </a:r>
-            <a:endParaRPr lang="en-US"/>
           </a:p>
         </p:txBody>
       </p:sp>
@@ -328,7 +341,7 @@
             <a:fld id="{1D8BD707-D9CF-40AE-B4C6-C98DA3205C09}" type="datetimeFigureOut">
               <a:rPr lang="en-US" smtClean="0"/>
               <a:pPr/>
-              <a:t>8/1/2011</a:t>
+              <a:t>11/27/2024</a:t>
             </a:fld>
             <a:endParaRPr lang="en-US"/>
           </a:p>
@@ -418,10 +431,9 @@
           <a:lstStyle/>
           <a:p>
             <a:r>
-              <a:rPr lang="en-US" smtClean="0"/>
+              <a:rPr lang="en-US"/>
               <a:t>Click to edit Master title style</a:t>
             </a:r>
-            <a:endParaRPr lang="en-US"/>
           </a:p>
         </p:txBody>
       </p:sp>
@@ -442,38 +454,37 @@
           <a:p>
             <a:pPr lvl="0"/>
             <a:r>
-              <a:rPr lang="en-US" smtClean="0"/>
+              <a:rPr lang="en-US"/>
               <a:t>Click to edit Master text styles</a:t>
             </a:r>
           </a:p>
           <a:p>
             <a:pPr lvl="1"/>
             <a:r>
-              <a:rPr lang="en-US" smtClean="0"/>
+              <a:rPr lang="en-US"/>
               <a:t>Second level</a:t>
             </a:r>
           </a:p>
           <a:p>
             <a:pPr lvl="2"/>
             <a:r>
-              <a:rPr lang="en-US" smtClean="0"/>
+              <a:rPr lang="en-US"/>
               <a:t>Third level</a:t>
             </a:r>
           </a:p>
           <a:p>
             <a:pPr lvl="3"/>
             <a:r>
-              <a:rPr lang="en-US" smtClean="0"/>
+              <a:rPr lang="en-US"/>
               <a:t>Fourth level</a:t>
             </a:r>
           </a:p>
           <a:p>
             <a:pPr lvl="4"/>
             <a:r>
-              <a:rPr lang="en-US" smtClean="0"/>
+              <a:rPr lang="en-US"/>
               <a:t>Fifth level</a:t>
             </a:r>
-            <a:endParaRPr lang="en-US"/>
           </a:p>
         </p:txBody>
       </p:sp>
@@ -495,7 +506,7 @@
             <a:fld id="{1D8BD707-D9CF-40AE-B4C6-C98DA3205C09}" type="datetimeFigureOut">
               <a:rPr lang="en-US" smtClean="0"/>
               <a:pPr/>
-              <a:t>8/1/2011</a:t>
+              <a:t>11/27/2024</a:t>
             </a:fld>
             <a:endParaRPr lang="en-US"/>
           </a:p>
@@ -590,10 +601,9 @@
           <a:lstStyle/>
           <a:p>
             <a:r>
-              <a:rPr lang="en-US" smtClean="0"/>
+              <a:rPr lang="en-US"/>
               <a:t>Click to edit Master title style</a:t>
             </a:r>
-            <a:endParaRPr lang="en-US"/>
           </a:p>
         </p:txBody>
       </p:sp>
@@ -619,38 +629,37 @@
           <a:p>
             <a:pPr lvl="0"/>
             <a:r>
-              <a:rPr lang="en-US" smtClean="0"/>
+              <a:rPr lang="en-US"/>
               <a:t>Click to edit Master text styles</a:t>
             </a:r>
           </a:p>
           <a:p>
             <a:pPr lvl="1"/>
             <a:r>
-              <a:rPr lang="en-US" smtClean="0"/>
+              <a:rPr lang="en-US"/>
               <a:t>Second level</a:t>
             </a:r>
           </a:p>
           <a:p>
             <a:pPr lvl="2"/>
             <a:r>
-              <a:rPr lang="en-US" smtClean="0"/>
+              <a:rPr lang="en-US"/>
               <a:t>Third level</a:t>
             </a:r>
           </a:p>
           <a:p>
             <a:pPr lvl="3"/>
             <a:r>
-              <a:rPr lang="en-US" smtClean="0"/>
+              <a:rPr lang="en-US"/>
               <a:t>Fourth level</a:t>
             </a:r>
           </a:p>
           <a:p>
             <a:pPr lvl="4"/>
             <a:r>
-              <a:rPr lang="en-US" smtClean="0"/>
+              <a:rPr lang="en-US"/>
               <a:t>Fifth level</a:t>
             </a:r>
-            <a:endParaRPr lang="en-US"/>
           </a:p>
         </p:txBody>
       </p:sp>
@@ -672,7 +681,7 @@
             <a:fld id="{1D8BD707-D9CF-40AE-B4C6-C98DA3205C09}" type="datetimeFigureOut">
               <a:rPr lang="en-US" smtClean="0"/>
               <a:pPr/>
-              <a:t>8/1/2011</a:t>
+              <a:t>11/27/2024</a:t>
             </a:fld>
             <a:endParaRPr lang="en-US"/>
           </a:p>
@@ -762,10 +771,9 @@
           <a:lstStyle/>
           <a:p>
             <a:r>
-              <a:rPr lang="en-US" smtClean="0"/>
+              <a:rPr lang="en-US"/>
               <a:t>Click to edit Master title style</a:t>
             </a:r>
-            <a:endParaRPr lang="en-US"/>
           </a:p>
         </p:txBody>
       </p:sp>
@@ -786,38 +794,37 @@
           <a:p>
             <a:pPr lvl="0"/>
             <a:r>
-              <a:rPr lang="en-US" smtClean="0"/>
+              <a:rPr lang="en-US"/>
               <a:t>Click to edit Master text styles</a:t>
             </a:r>
           </a:p>
           <a:p>
             <a:pPr lvl="1"/>
             <a:r>
-              <a:rPr lang="en-US" smtClean="0"/>
+              <a:rPr lang="en-US"/>
               <a:t>Second level</a:t>
             </a:r>
           </a:p>
           <a:p>
             <a:pPr lvl="2"/>
             <a:r>
-              <a:rPr lang="en-US" smtClean="0"/>
+              <a:rPr lang="en-US"/>
               <a:t>Third level</a:t>
             </a:r>
           </a:p>
           <a:p>
             <a:pPr lvl="3"/>
             <a:r>
-              <a:rPr lang="en-US" smtClean="0"/>
+              <a:rPr lang="en-US"/>
               <a:t>Fourth level</a:t>
             </a:r>
           </a:p>
           <a:p>
             <a:pPr lvl="4"/>
             <a:r>
-              <a:rPr lang="en-US" smtClean="0"/>
+              <a:rPr lang="en-US"/>
               <a:t>Fifth level</a:t>
             </a:r>
-            <a:endParaRPr lang="en-US"/>
           </a:p>
         </p:txBody>
       </p:sp>
@@ -839,7 +846,7 @@
             <a:fld id="{1D8BD707-D9CF-40AE-B4C6-C98DA3205C09}" type="datetimeFigureOut">
               <a:rPr lang="en-US" smtClean="0"/>
               <a:pPr/>
-              <a:t>8/1/2011</a:t>
+              <a:t>11/27/2024</a:t>
             </a:fld>
             <a:endParaRPr lang="en-US"/>
           </a:p>
@@ -938,10 +945,9 @@
           </a:lstStyle>
           <a:p>
             <a:r>
-              <a:rPr lang="en-US" smtClean="0"/>
+              <a:rPr lang="en-US"/>
               <a:t>Click to edit Master title style</a:t>
             </a:r>
-            <a:endParaRPr lang="en-US"/>
           </a:p>
         </p:txBody>
       </p:sp>
@@ -1058,7 +1064,7 @@
           <a:p>
             <a:pPr lvl="0"/>
             <a:r>
-              <a:rPr lang="en-US" smtClean="0"/>
+              <a:rPr lang="en-US"/>
               <a:t>Click to edit Master text styles</a:t>
             </a:r>
           </a:p>
@@ -1082,7 +1088,7 @@
             <a:fld id="{1D8BD707-D9CF-40AE-B4C6-C98DA3205C09}" type="datetimeFigureOut">
               <a:rPr lang="en-US" smtClean="0"/>
               <a:pPr/>
-              <a:t>8/1/2011</a:t>
+              <a:t>11/27/2024</a:t>
             </a:fld>
             <a:endParaRPr lang="en-US"/>
           </a:p>
@@ -1172,10 +1178,9 @@
           <a:lstStyle/>
           <a:p>
             <a:r>
-              <a:rPr lang="en-US" smtClean="0"/>
+              <a:rPr lang="en-US"/>
               <a:t>Click to edit Master title style</a:t>
             </a:r>
-            <a:endParaRPr lang="en-US"/>
           </a:p>
         </p:txBody>
       </p:sp>
@@ -1229,38 +1234,37 @@
           <a:p>
             <a:pPr lvl="0"/>
             <a:r>
-              <a:rPr lang="en-US" smtClean="0"/>
+              <a:rPr lang="en-US"/>
               <a:t>Click to edit Master text styles</a:t>
             </a:r>
           </a:p>
           <a:p>
             <a:pPr lvl="1"/>
             <a:r>
-              <a:rPr lang="en-US" smtClean="0"/>
+              <a:rPr lang="en-US"/>
               <a:t>Second level</a:t>
             </a:r>
           </a:p>
           <a:p>
             <a:pPr lvl="2"/>
             <a:r>
-              <a:rPr lang="en-US" smtClean="0"/>
+              <a:rPr lang="en-US"/>
               <a:t>Third level</a:t>
             </a:r>
           </a:p>
           <a:p>
             <a:pPr lvl="3"/>
             <a:r>
-              <a:rPr lang="en-US" smtClean="0"/>
+              <a:rPr lang="en-US"/>
               <a:t>Fourth level</a:t>
             </a:r>
           </a:p>
           <a:p>
             <a:pPr lvl="4"/>
             <a:r>
-              <a:rPr lang="en-US" smtClean="0"/>
+              <a:rPr lang="en-US"/>
               <a:t>Fifth level</a:t>
             </a:r>
-            <a:endParaRPr lang="en-US"/>
           </a:p>
         </p:txBody>
       </p:sp>
@@ -1314,38 +1318,37 @@
           <a:p>
             <a:pPr lvl="0"/>
             <a:r>
-              <a:rPr lang="en-US" smtClean="0"/>
+              <a:rPr lang="en-US"/>
               <a:t>Click to edit Master text styles</a:t>
             </a:r>
           </a:p>
           <a:p>
             <a:pPr lvl="1"/>
             <a:r>
-              <a:rPr lang="en-US" smtClean="0"/>
+              <a:rPr lang="en-US"/>
               <a:t>Second level</a:t>
             </a:r>
           </a:p>
           <a:p>
             <a:pPr lvl="2"/>
             <a:r>
-              <a:rPr lang="en-US" smtClean="0"/>
+              <a:rPr lang="en-US"/>
               <a:t>Third level</a:t>
             </a:r>
           </a:p>
           <a:p>
             <a:pPr lvl="3"/>
             <a:r>
-              <a:rPr lang="en-US" smtClean="0"/>
+              <a:rPr lang="en-US"/>
               <a:t>Fourth level</a:t>
             </a:r>
           </a:p>
           <a:p>
             <a:pPr lvl="4"/>
             <a:r>
-              <a:rPr lang="en-US" smtClean="0"/>
+              <a:rPr lang="en-US"/>
               <a:t>Fifth level</a:t>
             </a:r>
-            <a:endParaRPr lang="en-US"/>
           </a:p>
         </p:txBody>
       </p:sp>
@@ -1367,7 +1370,7 @@
             <a:fld id="{1D8BD707-D9CF-40AE-B4C6-C98DA3205C09}" type="datetimeFigureOut">
               <a:rPr lang="en-US" smtClean="0"/>
               <a:pPr/>
-              <a:t>8/1/2011</a:t>
+              <a:t>11/27/2024</a:t>
             </a:fld>
             <a:endParaRPr lang="en-US"/>
           </a:p>
@@ -1461,10 +1464,9 @@
           </a:lstStyle>
           <a:p>
             <a:r>
-              <a:rPr lang="en-US" smtClean="0"/>
+              <a:rPr lang="en-US"/>
               <a:t>Click to edit Master title style</a:t>
             </a:r>
-            <a:endParaRPr lang="en-US"/>
           </a:p>
         </p:txBody>
       </p:sp>
@@ -1527,7 +1529,7 @@
           <a:p>
             <a:pPr lvl="0"/>
             <a:r>
-              <a:rPr lang="en-US" smtClean="0"/>
+              <a:rPr lang="en-US"/>
               <a:t>Click to edit Master text styles</a:t>
             </a:r>
           </a:p>
@@ -1583,38 +1585,37 @@
           <a:p>
             <a:pPr lvl="0"/>
             <a:r>
-              <a:rPr lang="en-US" smtClean="0"/>
+              <a:rPr lang="en-US"/>
               <a:t>Click to edit Master text styles</a:t>
             </a:r>
           </a:p>
           <a:p>
             <a:pPr lvl="1"/>
             <a:r>
-              <a:rPr lang="en-US" smtClean="0"/>
+              <a:rPr lang="en-US"/>
               <a:t>Second level</a:t>
             </a:r>
           </a:p>
           <a:p>
             <a:pPr lvl="2"/>
             <a:r>
-              <a:rPr lang="en-US" smtClean="0"/>
+              <a:rPr lang="en-US"/>
               <a:t>Third level</a:t>
             </a:r>
           </a:p>
           <a:p>
             <a:pPr lvl="3"/>
             <a:r>
-              <a:rPr lang="en-US" smtClean="0"/>
+              <a:rPr lang="en-US"/>
               <a:t>Fourth level</a:t>
             </a:r>
           </a:p>
           <a:p>
             <a:pPr lvl="4"/>
             <a:r>
-              <a:rPr lang="en-US" smtClean="0"/>
+              <a:rPr lang="en-US"/>
               <a:t>Fifth level</a:t>
             </a:r>
-            <a:endParaRPr lang="en-US"/>
           </a:p>
         </p:txBody>
       </p:sp>
@@ -1677,7 +1678,7 @@
           <a:p>
             <a:pPr lvl="0"/>
             <a:r>
-              <a:rPr lang="en-US" smtClean="0"/>
+              <a:rPr lang="en-US"/>
               <a:t>Click to edit Master text styles</a:t>
             </a:r>
           </a:p>
@@ -1733,38 +1734,37 @@
           <a:p>
             <a:pPr lvl="0"/>
             <a:r>
-              <a:rPr lang="en-US" smtClean="0"/>
+              <a:rPr lang="en-US"/>
               <a:t>Click to edit Master text styles</a:t>
             </a:r>
           </a:p>
           <a:p>
             <a:pPr lvl="1"/>
             <a:r>
-              <a:rPr lang="en-US" smtClean="0"/>
+              <a:rPr lang="en-US"/>
               <a:t>Second level</a:t>
             </a:r>
           </a:p>
           <a:p>
             <a:pPr lvl="2"/>
             <a:r>
-              <a:rPr lang="en-US" smtClean="0"/>
+              <a:rPr lang="en-US"/>
               <a:t>Third level</a:t>
             </a:r>
           </a:p>
           <a:p>
             <a:pPr lvl="3"/>
             <a:r>
-              <a:rPr lang="en-US" smtClean="0"/>
+              <a:rPr lang="en-US"/>
               <a:t>Fourth level</a:t>
             </a:r>
           </a:p>
           <a:p>
             <a:pPr lvl="4"/>
             <a:r>
-              <a:rPr lang="en-US" smtClean="0"/>
+              <a:rPr lang="en-US"/>
               <a:t>Fifth level</a:t>
             </a:r>
-            <a:endParaRPr lang="en-US"/>
           </a:p>
         </p:txBody>
       </p:sp>
@@ -1786,7 +1786,7 @@
             <a:fld id="{1D8BD707-D9CF-40AE-B4C6-C98DA3205C09}" type="datetimeFigureOut">
               <a:rPr lang="en-US" smtClean="0"/>
               <a:pPr/>
-              <a:t>8/1/2011</a:t>
+              <a:t>11/27/2024</a:t>
             </a:fld>
             <a:endParaRPr lang="en-US"/>
           </a:p>
@@ -1876,10 +1876,9 @@
           <a:lstStyle/>
           <a:p>
             <a:r>
-              <a:rPr lang="en-US" smtClean="0"/>
+              <a:rPr lang="en-US"/>
               <a:t>Click to edit Master title style</a:t>
             </a:r>
-            <a:endParaRPr lang="en-US"/>
           </a:p>
         </p:txBody>
       </p:sp>
@@ -1901,7 +1900,7 @@
             <a:fld id="{1D8BD707-D9CF-40AE-B4C6-C98DA3205C09}" type="datetimeFigureOut">
               <a:rPr lang="en-US" smtClean="0"/>
               <a:pPr/>
-              <a:t>8/1/2011</a:t>
+              <a:t>11/27/2024</a:t>
             </a:fld>
             <a:endParaRPr lang="en-US"/>
           </a:p>
@@ -1993,7 +1992,7 @@
             <a:fld id="{1D8BD707-D9CF-40AE-B4C6-C98DA3205C09}" type="datetimeFigureOut">
               <a:rPr lang="en-US" smtClean="0"/>
               <a:pPr/>
-              <a:t>8/1/2011</a:t>
+              <a:t>11/27/2024</a:t>
             </a:fld>
             <a:endParaRPr lang="en-US"/>
           </a:p>
@@ -2092,10 +2091,9 @@
           </a:lstStyle>
           <a:p>
             <a:r>
-              <a:rPr lang="en-US" smtClean="0"/>
+              <a:rPr lang="en-US"/>
               <a:t>Click to edit Master title style</a:t>
             </a:r>
-            <a:endParaRPr lang="en-US"/>
           </a:p>
         </p:txBody>
       </p:sp>
@@ -2149,38 +2147,37 @@
           <a:p>
             <a:pPr lvl="0"/>
             <a:r>
-              <a:rPr lang="en-US" smtClean="0"/>
+              <a:rPr lang="en-US"/>
               <a:t>Click to edit Master text styles</a:t>
             </a:r>
           </a:p>
           <a:p>
             <a:pPr lvl="1"/>
             <a:r>
-              <a:rPr lang="en-US" smtClean="0"/>
+              <a:rPr lang="en-US"/>
               <a:t>Second level</a:t>
             </a:r>
           </a:p>
           <a:p>
             <a:pPr lvl="2"/>
             <a:r>
-              <a:rPr lang="en-US" smtClean="0"/>
+              <a:rPr lang="en-US"/>
               <a:t>Third level</a:t>
             </a:r>
           </a:p>
           <a:p>
             <a:pPr lvl="3"/>
             <a:r>
-              <a:rPr lang="en-US" smtClean="0"/>
+              <a:rPr lang="en-US"/>
               <a:t>Fourth level</a:t>
             </a:r>
           </a:p>
           <a:p>
             <a:pPr lvl="4"/>
             <a:r>
-              <a:rPr lang="en-US" smtClean="0"/>
+              <a:rPr lang="en-US"/>
               <a:t>Fifth level</a:t>
             </a:r>
-            <a:endParaRPr lang="en-US"/>
           </a:p>
         </p:txBody>
       </p:sp>
@@ -2243,7 +2240,7 @@
           <a:p>
             <a:pPr lvl="0"/>
             <a:r>
-              <a:rPr lang="en-US" smtClean="0"/>
+              <a:rPr lang="en-US"/>
               <a:t>Click to edit Master text styles</a:t>
             </a:r>
           </a:p>
@@ -2267,7 +2264,7 @@
             <a:fld id="{1D8BD707-D9CF-40AE-B4C6-C98DA3205C09}" type="datetimeFigureOut">
               <a:rPr lang="en-US" smtClean="0"/>
               <a:pPr/>
-              <a:t>8/1/2011</a:t>
+              <a:t>11/27/2024</a:t>
             </a:fld>
             <a:endParaRPr lang="en-US"/>
           </a:p>
@@ -2366,10 +2363,9 @@
           </a:lstStyle>
           <a:p>
             <a:r>
-              <a:rPr lang="en-US" smtClean="0"/>
+              <a:rPr lang="en-US"/>
               <a:t>Click to edit Master title style</a:t>
             </a:r>
-            <a:endParaRPr lang="en-US"/>
           </a:p>
         </p:txBody>
       </p:sp>
@@ -2493,7 +2489,7 @@
           <a:p>
             <a:pPr lvl="0"/>
             <a:r>
-              <a:rPr lang="en-US" smtClean="0"/>
+              <a:rPr lang="en-US"/>
               <a:t>Click to edit Master text styles</a:t>
             </a:r>
           </a:p>
@@ -2517,7 +2513,7 @@
             <a:fld id="{1D8BD707-D9CF-40AE-B4C6-C98DA3205C09}" type="datetimeFigureOut">
               <a:rPr lang="en-US" smtClean="0"/>
               <a:pPr/>
-              <a:t>8/1/2011</a:t>
+              <a:t>11/27/2024</a:t>
             </a:fld>
             <a:endParaRPr lang="en-US"/>
           </a:p>
@@ -2622,10 +2618,9 @@
           <a:lstStyle/>
           <a:p>
             <a:r>
-              <a:rPr lang="en-US" smtClean="0"/>
+              <a:rPr lang="en-US"/>
               <a:t>Click to edit Master title style</a:t>
             </a:r>
-            <a:endParaRPr lang="en-US"/>
           </a:p>
         </p:txBody>
       </p:sp>
@@ -2656,38 +2651,37 @@
           <a:p>
             <a:pPr lvl="0"/>
             <a:r>
-              <a:rPr lang="en-US" smtClean="0"/>
+              <a:rPr lang="en-US"/>
               <a:t>Click to edit Master text styles</a:t>
             </a:r>
           </a:p>
           <a:p>
             <a:pPr lvl="1"/>
             <a:r>
-              <a:rPr lang="en-US" smtClean="0"/>
+              <a:rPr lang="en-US"/>
               <a:t>Second level</a:t>
             </a:r>
           </a:p>
           <a:p>
             <a:pPr lvl="2"/>
             <a:r>
-              <a:rPr lang="en-US" smtClean="0"/>
+              <a:rPr lang="en-US"/>
               <a:t>Third level</a:t>
             </a:r>
           </a:p>
           <a:p>
             <a:pPr lvl="3"/>
             <a:r>
-              <a:rPr lang="en-US" smtClean="0"/>
+              <a:rPr lang="en-US"/>
               <a:t>Fourth level</a:t>
             </a:r>
           </a:p>
           <a:p>
             <a:pPr lvl="4"/>
             <a:r>
-              <a:rPr lang="en-US" smtClean="0"/>
+              <a:rPr lang="en-US"/>
               <a:t>Fifth level</a:t>
             </a:r>
-            <a:endParaRPr lang="en-US"/>
           </a:p>
         </p:txBody>
       </p:sp>
@@ -2727,7 +2721,7 @@
             <a:fld id="{1D8BD707-D9CF-40AE-B4C6-C98DA3205C09}" type="datetimeFigureOut">
               <a:rPr lang="en-US" smtClean="0"/>
               <a:pPr/>
-              <a:t>8/1/2011</a:t>
+              <a:t>11/27/2024</a:t>
             </a:fld>
             <a:endParaRPr lang="en-US"/>
           </a:p>
@@ -3082,13 +3076,14 @@
 </file>
 
 <file path=ppt/slides/slide1.xml><?xml version="1.0" encoding="utf-8"?>
-<p:sld xmlns:p="http://schemas.openxmlformats.org/presentationml/2006/main" xmlns:a="http://schemas.openxmlformats.org/drawingml/2006/main" xmlns:r="http://schemas.openxmlformats.org/officeDocument/2006/relationships">
+<p:sld xmlns:a="http://schemas.openxmlformats.org/drawingml/2006/main" xmlns:r="http://schemas.openxmlformats.org/officeDocument/2006/relationships" xmlns:p="http://schemas.openxmlformats.org/presentationml/2006/main">
   <p:cSld>
     <p:bg>
       <p:bgPr>
         <a:solidFill>
           <a:srgbClr val="4C72FF"/>
         </a:solidFill>
+        <a:effectLst/>
       </p:bgPr>
     </p:bg>
     <p:spTree>
@@ -3107,12 +3102,12 @@
       </p:grpSpPr>
       <p:grpSp>
         <p:nvGrpSpPr>
-          <p:cNvPr name="Group 2" id="2"/>
+          <p:cNvPr id="2" name="Group 2"/>
           <p:cNvGrpSpPr/>
           <p:nvPr/>
         </p:nvGrpSpPr>
         <p:grpSpPr>
-          <a:xfrm rot="0">
+          <a:xfrm>
             <a:off x="11293261" y="7319924"/>
             <a:ext cx="5966039" cy="1731947"/>
             <a:chOff x="0" y="0"/>
@@ -3121,12 +3116,12 @@
         </p:grpSpPr>
         <p:sp>
           <p:nvSpPr>
-            <p:cNvPr name="Freeform 3" id="3"/>
+            <p:cNvPr id="3" name="Freeform 3"/>
             <p:cNvSpPr/>
             <p:nvPr/>
           </p:nvSpPr>
           <p:spPr>
-            <a:xfrm flipH="false" flipV="false" rot="0">
+            <a:xfrm>
               <a:off x="0" y="0"/>
               <a:ext cx="1571303" cy="456151"/>
             </a:xfrm>
@@ -3135,9 +3130,9 @@
               <a:gdLst/>
               <a:ahLst/>
               <a:cxnLst/>
-              <a:rect r="r" b="b" t="t" l="l"/>
+              <a:rect l="l" t="t" r="r" b="b"/>
               <a:pathLst>
-                <a:path h="456151" w="1571303">
+                <a:path w="1571303" h="456151">
                   <a:moveTo>
                     <a:pt x="32442" y="0"/>
                   </a:moveTo>
@@ -3198,8 +3193,8 @@
         </p:sp>
         <p:sp>
           <p:nvSpPr>
-            <p:cNvPr name="TextBox 4" id="4"/>
-            <p:cNvSpPr txBox="true"/>
+            <p:cNvPr id="4" name="TextBox 4"/>
+            <p:cNvSpPr txBox="1"/>
             <p:nvPr/>
           </p:nvSpPr>
           <p:spPr>
@@ -3212,7 +3207,7 @@
             </a:prstGeom>
           </p:spPr>
           <p:txBody>
-            <a:bodyPr anchor="ctr" rtlCol="false" tIns="50800" lIns="50800" bIns="50800" rIns="50800"/>
+            <a:bodyPr lIns="50800" tIns="50800" rIns="50800" bIns="50800" rtlCol="0" anchor="ctr"/>
             <a:lstStyle/>
             <a:p>
               <a:pPr algn="ctr">
@@ -3221,7 +3216,7 @@
                 </a:lnSpc>
               </a:pPr>
               <a:r>
-                <a:rPr lang="en-US" b="true" sz="2899">
+                <a:rPr lang="en-US" sz="2899" b="1">
                   <a:solidFill>
                     <a:srgbClr val="FFFFFF"/>
                   </a:solidFill>
@@ -3238,12 +3233,12 @@
       </p:grpSp>
       <p:sp>
         <p:nvSpPr>
-          <p:cNvPr name="TextBox 5" id="5"/>
-          <p:cNvSpPr txBox="true"/>
+          <p:cNvPr id="5" name="TextBox 5"/>
+          <p:cNvSpPr txBox="1"/>
           <p:nvPr/>
         </p:nvSpPr>
         <p:spPr>
-          <a:xfrm rot="0">
+          <a:xfrm>
             <a:off x="1240859" y="3416966"/>
             <a:ext cx="15221971" cy="2910560"/>
           </a:xfrm>
@@ -3252,12 +3247,12 @@
           </a:prstGeom>
         </p:spPr>
         <p:txBody>
-          <a:bodyPr anchor="t" rtlCol="false" tIns="0" lIns="0" bIns="0" rIns="0">
+          <a:bodyPr lIns="0" tIns="0" rIns="0" bIns="0" rtlCol="0" anchor="t">
             <a:spAutoFit/>
           </a:bodyPr>
           <a:lstStyle/>
           <a:p>
-            <a:pPr algn="l" marL="0" indent="0" lvl="0">
+            <a:pPr marL="0" lvl="0" indent="0" algn="l">
               <a:lnSpc>
                 <a:spcPts val="20411"/>
               </a:lnSpc>
@@ -3279,12 +3274,12 @@
       </p:sp>
       <p:sp>
         <p:nvSpPr>
-          <p:cNvPr name="TextBox 6" id="6"/>
-          <p:cNvSpPr txBox="true"/>
+          <p:cNvPr id="6" name="TextBox 6"/>
+          <p:cNvSpPr txBox="1"/>
           <p:nvPr/>
         </p:nvSpPr>
         <p:spPr>
-          <a:xfrm rot="0">
+          <a:xfrm>
             <a:off x="1546340" y="1092001"/>
             <a:ext cx="3049201" cy="345328"/>
           </a:xfrm>
@@ -3293,18 +3288,18 @@
           </a:prstGeom>
         </p:spPr>
         <p:txBody>
-          <a:bodyPr anchor="t" rtlCol="false" tIns="0" lIns="0" bIns="0" rIns="0">
+          <a:bodyPr lIns="0" tIns="0" rIns="0" bIns="0" rtlCol="0" anchor="t">
             <a:spAutoFit/>
           </a:bodyPr>
           <a:lstStyle/>
           <a:p>
-            <a:pPr algn="just" marL="0" indent="0" lvl="0">
+            <a:pPr marL="0" lvl="0" indent="0" algn="just">
               <a:lnSpc>
                 <a:spcPts val="2598"/>
               </a:lnSpc>
             </a:pPr>
             <a:r>
-              <a:rPr lang="en-US" b="true" sz="2598" spc="-64">
+              <a:rPr lang="en-US" sz="2598" b="1" spc="-64">
                 <a:solidFill>
                   <a:srgbClr val="FFFFFF"/>
                 </a:solidFill>
@@ -3320,12 +3315,12 @@
       </p:sp>
       <p:grpSp>
         <p:nvGrpSpPr>
-          <p:cNvPr name="Group 7" id="7"/>
+          <p:cNvPr id="7" name="Group 7"/>
           <p:cNvGrpSpPr/>
           <p:nvPr/>
         </p:nvGrpSpPr>
         <p:grpSpPr>
-          <a:xfrm rot="0">
+          <a:xfrm>
             <a:off x="1028700" y="1028700"/>
             <a:ext cx="424318" cy="424318"/>
             <a:chOff x="0" y="0"/>
@@ -3334,12 +3329,12 @@
         </p:grpSpPr>
         <p:grpSp>
           <p:nvGrpSpPr>
-            <p:cNvPr name="Group 8" id="8"/>
+            <p:cNvPr id="8" name="Group 8"/>
             <p:cNvGrpSpPr/>
             <p:nvPr/>
           </p:nvGrpSpPr>
           <p:grpSpPr>
-            <a:xfrm rot="0">
+            <a:xfrm>
               <a:off x="0" y="0"/>
               <a:ext cx="565758" cy="565758"/>
               <a:chOff x="0" y="0"/>
@@ -3348,12 +3343,12 @@
           </p:grpSpPr>
           <p:sp>
             <p:nvSpPr>
-              <p:cNvPr name="Freeform 9" id="9"/>
+              <p:cNvPr id="9" name="Freeform 9"/>
               <p:cNvSpPr/>
               <p:nvPr/>
             </p:nvSpPr>
             <p:spPr>
-              <a:xfrm flipH="false" flipV="false" rot="0">
+              <a:xfrm>
                 <a:off x="0" y="0"/>
                 <a:ext cx="812800" cy="812800"/>
               </a:xfrm>
@@ -3362,9 +3357,9 @@
                 <a:gdLst/>
                 <a:ahLst/>
                 <a:cxnLst/>
-                <a:rect r="r" b="b" t="t" l="l"/>
+                <a:rect l="l" t="t" r="r" b="b"/>
                 <a:pathLst>
-                  <a:path h="812800" w="812800">
+                  <a:path w="812800" h="812800">
                     <a:moveTo>
                       <a:pt x="406400" y="0"/>
                     </a:moveTo>
@@ -3399,8 +3394,8 @@
           </p:sp>
           <p:sp>
             <p:nvSpPr>
-              <p:cNvPr name="TextBox 10" id="10"/>
-              <p:cNvSpPr txBox="true"/>
+              <p:cNvPr id="10" name="TextBox 10"/>
+              <p:cNvSpPr txBox="1"/>
               <p:nvPr/>
             </p:nvSpPr>
             <p:spPr>
@@ -3413,7 +3408,7 @@
               </a:prstGeom>
             </p:spPr>
             <p:txBody>
-              <a:bodyPr anchor="ctr" rtlCol="false" tIns="50800" lIns="50800" bIns="50800" rIns="50800"/>
+              <a:bodyPr lIns="50800" tIns="50800" rIns="50800" bIns="50800" rtlCol="0" anchor="ctr"/>
               <a:lstStyle/>
               <a:p>
                 <a:pPr algn="ctr">
@@ -3421,18 +3416,19 @@
                     <a:spcPts val="1872"/>
                   </a:lnSpc>
                 </a:pPr>
+                <a:endParaRPr/>
               </a:p>
             </p:txBody>
           </p:sp>
         </p:grpSp>
         <p:sp>
           <p:nvSpPr>
-            <p:cNvPr name="Freeform 11" id="11"/>
+            <p:cNvPr id="11" name="Freeform 11"/>
             <p:cNvSpPr/>
             <p:nvPr/>
           </p:nvSpPr>
           <p:spPr>
-            <a:xfrm flipH="false" flipV="false" rot="0">
+            <a:xfrm>
               <a:off x="98980" y="98980"/>
               <a:ext cx="367797" cy="367797"/>
             </a:xfrm>
@@ -3441,9 +3437,9 @@
               <a:gdLst/>
               <a:ahLst/>
               <a:cxnLst/>
-              <a:rect r="r" b="b" t="t" l="l"/>
+              <a:rect l="l" t="t" r="r" b="b"/>
               <a:pathLst>
-                <a:path h="367797" w="367797">
+                <a:path w="367797" h="367797">
                   <a:moveTo>
                     <a:pt x="0" y="0"/>
                   </a:moveTo>
@@ -3472,7 +3468,7 @@
                 </a:extLst>
               </a:blip>
               <a:stretch>
-                <a:fillRect l="0" t="0" r="0" b="0"/>
+                <a:fillRect/>
               </a:stretch>
             </a:blipFill>
           </p:spPr>
@@ -3487,7 +3483,7 @@
 </file>
 
 <file path=ppt/slides/slide10.xml><?xml version="1.0" encoding="utf-8"?>
-<p:sld xmlns:p="http://schemas.openxmlformats.org/presentationml/2006/main" xmlns:a="http://schemas.openxmlformats.org/drawingml/2006/main" xmlns:r="http://schemas.openxmlformats.org/officeDocument/2006/relationships">
+<p:sld xmlns:a="http://schemas.openxmlformats.org/drawingml/2006/main" xmlns:r="http://schemas.openxmlformats.org/officeDocument/2006/relationships" xmlns:p="http://schemas.openxmlformats.org/presentationml/2006/main">
   <p:cSld>
     <p:spTree>
       <p:nvGrpSpPr>
@@ -3505,12 +3501,12 @@
       </p:grpSpPr>
       <p:sp>
         <p:nvSpPr>
-          <p:cNvPr name="Freeform 2" id="2"/>
+          <p:cNvPr id="2" name="Freeform 2"/>
           <p:cNvSpPr/>
           <p:nvPr/>
         </p:nvSpPr>
         <p:spPr>
-          <a:xfrm flipH="false" flipV="false" rot="0">
+          <a:xfrm>
             <a:off x="782954" y="3280152"/>
             <a:ext cx="16722091" cy="5978148"/>
           </a:xfrm>
@@ -3519,9 +3515,9 @@
             <a:gdLst/>
             <a:ahLst/>
             <a:cxnLst/>
-            <a:rect r="r" b="b" t="t" l="l"/>
+            <a:rect l="l" t="t" r="r" b="b"/>
             <a:pathLst>
-              <a:path h="5978148" w="16722091">
+              <a:path w="16722091" h="5978148">
                 <a:moveTo>
                   <a:pt x="0" y="0"/>
                 </a:moveTo>
@@ -3544,19 +3540,19 @@
           <a:blipFill>
             <a:blip r:embed="rId2"/>
             <a:stretch>
-              <a:fillRect l="0" t="0" r="0" b="0"/>
+              <a:fillRect/>
             </a:stretch>
           </a:blipFill>
         </p:spPr>
       </p:sp>
       <p:sp>
         <p:nvSpPr>
-          <p:cNvPr name="TextBox 3" id="3"/>
-          <p:cNvSpPr txBox="true"/>
+          <p:cNvPr id="3" name="TextBox 3"/>
+          <p:cNvSpPr txBox="1"/>
           <p:nvPr/>
         </p:nvSpPr>
         <p:spPr>
-          <a:xfrm rot="0">
+          <a:xfrm>
             <a:off x="4346892" y="1266825"/>
             <a:ext cx="9594216" cy="1129665"/>
           </a:xfrm>
@@ -3565,7 +3561,7 @@
           </a:prstGeom>
         </p:spPr>
         <p:txBody>
-          <a:bodyPr anchor="t" rtlCol="false" tIns="0" lIns="0" bIns="0" rIns="0">
+          <a:bodyPr lIns="0" tIns="0" rIns="0" bIns="0" rtlCol="0" anchor="t">
             <a:spAutoFit/>
           </a:bodyPr>
           <a:lstStyle/>
@@ -3599,7 +3595,7 @@
 </file>
 
 <file path=ppt/slides/slide11.xml><?xml version="1.0" encoding="utf-8"?>
-<p:sld xmlns:p="http://schemas.openxmlformats.org/presentationml/2006/main" xmlns:a="http://schemas.openxmlformats.org/drawingml/2006/main" xmlns:r="http://schemas.openxmlformats.org/officeDocument/2006/relationships">
+<p:sld xmlns:a="http://schemas.openxmlformats.org/drawingml/2006/main" xmlns:r="http://schemas.openxmlformats.org/officeDocument/2006/relationships" xmlns:p="http://schemas.openxmlformats.org/presentationml/2006/main">
   <p:cSld>
     <p:spTree>
       <p:nvGrpSpPr>
@@ -3617,12 +3613,12 @@
       </p:grpSpPr>
       <p:sp>
         <p:nvSpPr>
-          <p:cNvPr name="Freeform 2" id="2"/>
+          <p:cNvPr id="2" name="Freeform 2"/>
           <p:cNvSpPr/>
           <p:nvPr/>
         </p:nvSpPr>
         <p:spPr>
-          <a:xfrm flipH="false" flipV="false" rot="0">
+          <a:xfrm>
             <a:off x="1028700" y="2150983"/>
             <a:ext cx="16230600" cy="5985034"/>
           </a:xfrm>
@@ -3631,9 +3627,9 @@
             <a:gdLst/>
             <a:ahLst/>
             <a:cxnLst/>
-            <a:rect r="r" b="b" t="t" l="l"/>
+            <a:rect l="l" t="t" r="r" b="b"/>
             <a:pathLst>
-              <a:path h="5985034" w="16230600">
+              <a:path w="16230600" h="5985034">
                 <a:moveTo>
                   <a:pt x="0" y="0"/>
                 </a:moveTo>
@@ -3656,19 +3652,19 @@
           <a:blipFill>
             <a:blip r:embed="rId2"/>
             <a:stretch>
-              <a:fillRect l="0" t="0" r="0" b="0"/>
+              <a:fillRect/>
             </a:stretch>
           </a:blipFill>
         </p:spPr>
       </p:sp>
       <p:sp>
         <p:nvSpPr>
-          <p:cNvPr name="TextBox 3" id="3"/>
-          <p:cNvSpPr txBox="true"/>
+          <p:cNvPr id="3" name="TextBox 3"/>
+          <p:cNvSpPr txBox="1"/>
           <p:nvPr/>
         </p:nvSpPr>
         <p:spPr>
-          <a:xfrm rot="0">
+          <a:xfrm>
             <a:off x="1860566" y="598713"/>
             <a:ext cx="14566867" cy="1088574"/>
           </a:xfrm>
@@ -3677,7 +3673,7 @@
           </a:prstGeom>
         </p:spPr>
         <p:txBody>
-          <a:bodyPr anchor="t" rtlCol="false" tIns="0" lIns="0" bIns="0" rIns="0">
+          <a:bodyPr lIns="0" tIns="0" rIns="0" bIns="0" rtlCol="0" anchor="t">
             <a:spAutoFit/>
           </a:bodyPr>
           <a:lstStyle/>
@@ -3711,7 +3707,7 @@
 </file>
 
 <file path=ppt/slides/slide12.xml><?xml version="1.0" encoding="utf-8"?>
-<p:sld xmlns:p="http://schemas.openxmlformats.org/presentationml/2006/main" xmlns:a="http://schemas.openxmlformats.org/drawingml/2006/main" xmlns:r="http://schemas.openxmlformats.org/officeDocument/2006/relationships">
+<p:sld xmlns:a="http://schemas.openxmlformats.org/drawingml/2006/main" xmlns:r="http://schemas.openxmlformats.org/officeDocument/2006/relationships" xmlns:p="http://schemas.openxmlformats.org/presentationml/2006/main">
   <p:cSld>
     <p:spTree>
       <p:nvGrpSpPr>
@@ -3729,12 +3725,12 @@
       </p:grpSpPr>
       <p:sp>
         <p:nvSpPr>
-          <p:cNvPr name="Freeform 2" id="2"/>
+          <p:cNvPr id="2" name="Freeform 2"/>
           <p:cNvSpPr/>
           <p:nvPr/>
         </p:nvSpPr>
         <p:spPr>
-          <a:xfrm flipH="false" flipV="false" rot="0">
+          <a:xfrm>
             <a:off x="1028700" y="1028700"/>
             <a:ext cx="15511670" cy="7135368"/>
           </a:xfrm>
@@ -3743,9 +3739,9 @@
             <a:gdLst/>
             <a:ahLst/>
             <a:cxnLst/>
-            <a:rect r="r" b="b" t="t" l="l"/>
+            <a:rect l="l" t="t" r="r" b="b"/>
             <a:pathLst>
-              <a:path h="7135368" w="15511670">
+              <a:path w="15511670" h="7135368">
                 <a:moveTo>
                   <a:pt x="0" y="0"/>
                 </a:moveTo>
@@ -3768,19 +3764,19 @@
           <a:blipFill>
             <a:blip r:embed="rId2"/>
             <a:stretch>
-              <a:fillRect l="0" t="0" r="0" b="0"/>
+              <a:fillRect/>
             </a:stretch>
           </a:blipFill>
         </p:spPr>
       </p:sp>
       <p:sp>
         <p:nvSpPr>
-          <p:cNvPr name="TextBox 3" id="3"/>
-          <p:cNvSpPr txBox="true"/>
+          <p:cNvPr id="3" name="TextBox 3"/>
+          <p:cNvSpPr txBox="1"/>
           <p:nvPr/>
         </p:nvSpPr>
         <p:spPr>
-          <a:xfrm rot="0">
+          <a:xfrm>
             <a:off x="1028700" y="8354568"/>
             <a:ext cx="14566867" cy="903732"/>
           </a:xfrm>
@@ -3789,7 +3785,7 @@
           </a:prstGeom>
         </p:spPr>
         <p:txBody>
-          <a:bodyPr anchor="t" rtlCol="false" tIns="0" lIns="0" bIns="0" rIns="0">
+          <a:bodyPr lIns="0" tIns="0" rIns="0" bIns="0" rtlCol="0" anchor="t">
             <a:spAutoFit/>
           </a:bodyPr>
           <a:lstStyle/>
@@ -3823,76 +3819,7 @@
 </file>
 
 <file path=ppt/slides/slide13.xml><?xml version="1.0" encoding="utf-8"?>
-<p:sld xmlns:p="http://schemas.openxmlformats.org/presentationml/2006/main" xmlns:a="http://schemas.openxmlformats.org/drawingml/2006/main">
-  <p:cSld>
-    <p:spTree>
-      <p:nvGrpSpPr>
-        <p:cNvPr id="1" name=""/>
-        <p:cNvGrpSpPr/>
-        <p:nvPr/>
-      </p:nvGrpSpPr>
-      <p:grpSpPr>
-        <a:xfrm>
-          <a:off x="0" y="0"/>
-          <a:ext cx="0" cy="0"/>
-          <a:chOff x="0" y="0"/>
-          <a:chExt cx="0" cy="0"/>
-        </a:xfrm>
-      </p:grpSpPr>
-      <p:sp>
-        <p:nvSpPr>
-          <p:cNvPr name="TextBox 2" id="2"/>
-          <p:cNvSpPr txBox="true"/>
-          <p:nvPr/>
-        </p:nvSpPr>
-        <p:spPr>
-          <a:xfrm rot="0">
-            <a:off x="1186160" y="1019175"/>
-            <a:ext cx="4235748" cy="1228725"/>
-          </a:xfrm>
-          <a:prstGeom prst="rect">
-            <a:avLst/>
-          </a:prstGeom>
-        </p:spPr>
-        <p:txBody>
-          <a:bodyPr anchor="t" rtlCol="false" tIns="0" lIns="0" bIns="0" rIns="0">
-            <a:spAutoFit/>
-          </a:bodyPr>
-          <a:lstStyle/>
-          <a:p>
-            <a:pPr algn="ctr">
-              <a:lnSpc>
-                <a:spcPts val="9600"/>
-              </a:lnSpc>
-              <a:spcBef>
-                <a:spcPct val="0"/>
-              </a:spcBef>
-            </a:pPr>
-            <a:r>
-              <a:rPr lang="en-US" b="true" sz="8000">
-                <a:solidFill>
-                  <a:srgbClr val="000000"/>
-                </a:solidFill>
-                <a:latin typeface="TT Ramillas Bold"/>
-                <a:ea typeface="TT Ramillas Bold"/>
-                <a:cs typeface="TT Ramillas Bold"/>
-                <a:sym typeface="TT Ramillas Bold"/>
-              </a:rPr>
-              <a:t>Use Case</a:t>
-            </a:r>
-          </a:p>
-        </p:txBody>
-      </p:sp>
-    </p:spTree>
-  </p:cSld>
-  <p:clrMapOvr>
-    <a:masterClrMapping/>
-  </p:clrMapOvr>
-</p:sld>
-</file>
-
-<file path=ppt/slides/slide14.xml><?xml version="1.0" encoding="utf-8"?>
-<p:sld xmlns:p="http://schemas.openxmlformats.org/presentationml/2006/main" xmlns:a="http://schemas.openxmlformats.org/drawingml/2006/main" xmlns:r="http://schemas.openxmlformats.org/officeDocument/2006/relationships">
+<p:sld xmlns:a="http://schemas.openxmlformats.org/drawingml/2006/main" xmlns:r="http://schemas.openxmlformats.org/officeDocument/2006/relationships" xmlns:p="http://schemas.openxmlformats.org/presentationml/2006/main">
   <p:cSld>
     <p:spTree>
       <p:nvGrpSpPr>
@@ -3910,12 +3837,12 @@
       </p:grpSpPr>
       <p:grpSp>
         <p:nvGrpSpPr>
-          <p:cNvPr name="Group 2" id="2"/>
+          <p:cNvPr id="2" name="Group 2"/>
           <p:cNvGrpSpPr/>
           <p:nvPr/>
         </p:nvGrpSpPr>
         <p:grpSpPr>
-          <a:xfrm rot="0">
+          <a:xfrm>
             <a:off x="1120824" y="4149060"/>
             <a:ext cx="3867248" cy="3867248"/>
             <a:chOff x="0" y="0"/>
@@ -3924,12 +3851,12 @@
         </p:grpSpPr>
         <p:sp>
           <p:nvSpPr>
-            <p:cNvPr name="Freeform 3" id="3"/>
+            <p:cNvPr id="3" name="Freeform 3"/>
             <p:cNvSpPr/>
             <p:nvPr/>
           </p:nvSpPr>
           <p:spPr>
-            <a:xfrm flipH="false" flipV="false" rot="0">
+            <a:xfrm>
               <a:off x="0" y="0"/>
               <a:ext cx="812800" cy="812800"/>
             </a:xfrm>
@@ -3938,9 +3865,9 @@
               <a:gdLst/>
               <a:ahLst/>
               <a:cxnLst/>
-              <a:rect r="r" b="b" t="t" l="l"/>
+              <a:rect l="l" t="t" r="r" b="b"/>
               <a:pathLst>
-                <a:path h="812800" w="812800">
+                <a:path w="812800" h="812800">
                   <a:moveTo>
                     <a:pt x="0" y="0"/>
                   </a:moveTo>
@@ -3964,8 +3891,8 @@
         </p:sp>
         <p:sp>
           <p:nvSpPr>
-            <p:cNvPr name="TextBox 4" id="4"/>
-            <p:cNvSpPr txBox="true"/>
+            <p:cNvPr id="4" name="TextBox 4"/>
+            <p:cNvSpPr txBox="1"/>
             <p:nvPr/>
           </p:nvSpPr>
           <p:spPr>
@@ -3978,7 +3905,7 @@
             </a:prstGeom>
           </p:spPr>
           <p:txBody>
-            <a:bodyPr anchor="ctr" rtlCol="false" tIns="50800" lIns="50800" bIns="50800" rIns="50800"/>
+            <a:bodyPr lIns="50800" tIns="50800" rIns="50800" bIns="50800" rtlCol="0" anchor="ctr"/>
             <a:lstStyle/>
             <a:p>
               <a:pPr algn="ctr">
@@ -3986,20 +3913,21 @@
                   <a:spcPts val="2800"/>
                 </a:lnSpc>
               </a:pPr>
+              <a:endParaRPr/>
             </a:p>
           </p:txBody>
         </p:sp>
       </p:grpSp>
       <p:grpSp>
         <p:nvGrpSpPr>
-          <p:cNvPr name="Group 5" id="5"/>
+          <p:cNvPr id="5" name="Group 5"/>
           <p:cNvGrpSpPr>
-            <a:grpSpLocks noChangeAspect="true"/>
+            <a:grpSpLocks noChangeAspect="1"/>
           </p:cNvGrpSpPr>
           <p:nvPr/>
         </p:nvGrpSpPr>
         <p:grpSpPr>
-          <a:xfrm rot="0">
+          <a:xfrm>
             <a:off x="1120824" y="4172586"/>
             <a:ext cx="3820210" cy="3820195"/>
             <a:chOff x="0" y="0"/>
@@ -4008,12 +3936,12 @@
         </p:grpSpPr>
         <p:sp>
           <p:nvSpPr>
-            <p:cNvPr name="Freeform 6" id="6"/>
+            <p:cNvPr id="6" name="Freeform 6"/>
             <p:cNvSpPr/>
             <p:nvPr/>
           </p:nvSpPr>
           <p:spPr>
-            <a:xfrm flipH="false" flipV="false" rot="0">
+            <a:xfrm>
               <a:off x="0" y="0"/>
               <a:ext cx="6350000" cy="6349974"/>
             </a:xfrm>
@@ -4022,9 +3950,9 @@
               <a:gdLst/>
               <a:ahLst/>
               <a:cxnLst/>
-              <a:rect r="r" b="b" t="t" l="l"/>
+              <a:rect l="l" t="t" r="r" b="b"/>
               <a:pathLst>
-                <a:path h="6349974" w="6350000">
+                <a:path w="6350000" h="6349974">
                   <a:moveTo>
                     <a:pt x="6350000" y="3175025"/>
                   </a:moveTo>
@@ -4055,7 +3983,7 @@
             <a:blipFill>
               <a:blip r:embed="rId2"/>
               <a:stretch>
-                <a:fillRect l="0" t="-16666" r="0" b="-16666"/>
+                <a:fillRect t="-16666" b="-16666"/>
               </a:stretch>
             </a:blipFill>
           </p:spPr>
@@ -4063,12 +3991,12 @@
       </p:grpSp>
       <p:grpSp>
         <p:nvGrpSpPr>
-          <p:cNvPr name="Group 7" id="7"/>
+          <p:cNvPr id="7" name="Group 7"/>
           <p:cNvGrpSpPr/>
           <p:nvPr/>
         </p:nvGrpSpPr>
         <p:grpSpPr>
-          <a:xfrm rot="0">
+          <a:xfrm>
             <a:off x="7195016" y="4149060"/>
             <a:ext cx="3867248" cy="3867248"/>
             <a:chOff x="0" y="0"/>
@@ -4077,12 +4005,12 @@
         </p:grpSpPr>
         <p:sp>
           <p:nvSpPr>
-            <p:cNvPr name="Freeform 8" id="8"/>
+            <p:cNvPr id="8" name="Freeform 8"/>
             <p:cNvSpPr/>
             <p:nvPr/>
           </p:nvSpPr>
           <p:spPr>
-            <a:xfrm flipH="false" flipV="false" rot="0">
+            <a:xfrm>
               <a:off x="0" y="0"/>
               <a:ext cx="812800" cy="812800"/>
             </a:xfrm>
@@ -4091,9 +4019,9 @@
               <a:gdLst/>
               <a:ahLst/>
               <a:cxnLst/>
-              <a:rect r="r" b="b" t="t" l="l"/>
+              <a:rect l="l" t="t" r="r" b="b"/>
               <a:pathLst>
-                <a:path h="812800" w="812800">
+                <a:path w="812800" h="812800">
                   <a:moveTo>
                     <a:pt x="0" y="0"/>
                   </a:moveTo>
@@ -4117,8 +4045,8 @@
         </p:sp>
         <p:sp>
           <p:nvSpPr>
-            <p:cNvPr name="TextBox 9" id="9"/>
-            <p:cNvSpPr txBox="true"/>
+            <p:cNvPr id="9" name="TextBox 9"/>
+            <p:cNvSpPr txBox="1"/>
             <p:nvPr/>
           </p:nvSpPr>
           <p:spPr>
@@ -4131,7 +4059,7 @@
             </a:prstGeom>
           </p:spPr>
           <p:txBody>
-            <a:bodyPr anchor="ctr" rtlCol="false" tIns="50800" lIns="50800" bIns="50800" rIns="50800"/>
+            <a:bodyPr lIns="50800" tIns="50800" rIns="50800" bIns="50800" rtlCol="0" anchor="ctr"/>
             <a:lstStyle/>
             <a:p>
               <a:pPr algn="ctr">
@@ -4139,20 +4067,21 @@
                   <a:spcPts val="2800"/>
                 </a:lnSpc>
               </a:pPr>
+              <a:endParaRPr/>
             </a:p>
           </p:txBody>
         </p:sp>
       </p:grpSp>
       <p:grpSp>
         <p:nvGrpSpPr>
-          <p:cNvPr name="Group 10" id="10"/>
+          <p:cNvPr id="10" name="Group 10"/>
           <p:cNvGrpSpPr>
-            <a:grpSpLocks noChangeAspect="true"/>
+            <a:grpSpLocks noChangeAspect="1"/>
           </p:cNvGrpSpPr>
           <p:nvPr/>
         </p:nvGrpSpPr>
         <p:grpSpPr>
-          <a:xfrm rot="0">
+          <a:xfrm>
             <a:off x="7242054" y="4196113"/>
             <a:ext cx="3820210" cy="3820195"/>
             <a:chOff x="0" y="0"/>
@@ -4161,12 +4090,12 @@
         </p:grpSpPr>
         <p:sp>
           <p:nvSpPr>
-            <p:cNvPr name="Freeform 11" id="11"/>
+            <p:cNvPr id="11" name="Freeform 11"/>
             <p:cNvSpPr/>
             <p:nvPr/>
           </p:nvSpPr>
           <p:spPr>
-            <a:xfrm flipH="false" flipV="false" rot="0">
+            <a:xfrm>
               <a:off x="0" y="0"/>
               <a:ext cx="6350000" cy="6349974"/>
             </a:xfrm>
@@ -4175,9 +4104,9 @@
               <a:gdLst/>
               <a:ahLst/>
               <a:cxnLst/>
-              <a:rect r="r" b="b" t="t" l="l"/>
+              <a:rect l="l" t="t" r="r" b="b"/>
               <a:pathLst>
-                <a:path h="6349974" w="6350000">
+                <a:path w="6350000" h="6349974">
                   <a:moveTo>
                     <a:pt x="6350000" y="3175025"/>
                   </a:moveTo>
@@ -4208,7 +4137,7 @@
             <a:blipFill>
               <a:blip r:embed="rId3"/>
               <a:stretch>
-                <a:fillRect l="0" t="-16666" r="0" b="-16666"/>
+                <a:fillRect t="-16666" b="-16666"/>
               </a:stretch>
             </a:blipFill>
           </p:spPr>
@@ -4216,12 +4145,12 @@
       </p:grpSp>
       <p:grpSp>
         <p:nvGrpSpPr>
-          <p:cNvPr name="Group 12" id="12"/>
+          <p:cNvPr id="12" name="Group 12"/>
           <p:cNvGrpSpPr/>
           <p:nvPr/>
         </p:nvGrpSpPr>
         <p:grpSpPr>
-          <a:xfrm rot="0">
+          <a:xfrm>
             <a:off x="13267956" y="4149060"/>
             <a:ext cx="3867248" cy="3867248"/>
             <a:chOff x="0" y="0"/>
@@ -4230,12 +4159,12 @@
         </p:grpSpPr>
         <p:sp>
           <p:nvSpPr>
-            <p:cNvPr name="Freeform 13" id="13"/>
+            <p:cNvPr id="13" name="Freeform 13"/>
             <p:cNvSpPr/>
             <p:nvPr/>
           </p:nvSpPr>
           <p:spPr>
-            <a:xfrm flipH="false" flipV="false" rot="0">
+            <a:xfrm>
               <a:off x="0" y="0"/>
               <a:ext cx="812800" cy="812800"/>
             </a:xfrm>
@@ -4244,9 +4173,9 @@
               <a:gdLst/>
               <a:ahLst/>
               <a:cxnLst/>
-              <a:rect r="r" b="b" t="t" l="l"/>
+              <a:rect l="l" t="t" r="r" b="b"/>
               <a:pathLst>
-                <a:path h="812800" w="812800">
+                <a:path w="812800" h="812800">
                   <a:moveTo>
                     <a:pt x="0" y="0"/>
                   </a:moveTo>
@@ -4270,8 +4199,8 @@
         </p:sp>
         <p:sp>
           <p:nvSpPr>
-            <p:cNvPr name="TextBox 14" id="14"/>
-            <p:cNvSpPr txBox="true"/>
+            <p:cNvPr id="14" name="TextBox 14"/>
+            <p:cNvSpPr txBox="1"/>
             <p:nvPr/>
           </p:nvSpPr>
           <p:spPr>
@@ -4284,7 +4213,7 @@
             </a:prstGeom>
           </p:spPr>
           <p:txBody>
-            <a:bodyPr anchor="ctr" rtlCol="false" tIns="50800" lIns="50800" bIns="50800" rIns="50800"/>
+            <a:bodyPr lIns="50800" tIns="50800" rIns="50800" bIns="50800" rtlCol="0" anchor="ctr"/>
             <a:lstStyle/>
             <a:p>
               <a:pPr algn="ctr">
@@ -4292,20 +4221,21 @@
                   <a:spcPts val="2800"/>
                 </a:lnSpc>
               </a:pPr>
+              <a:endParaRPr/>
             </a:p>
           </p:txBody>
         </p:sp>
       </p:grpSp>
       <p:grpSp>
         <p:nvGrpSpPr>
-          <p:cNvPr name="Group 15" id="15"/>
+          <p:cNvPr id="15" name="Group 15"/>
           <p:cNvGrpSpPr>
-            <a:grpSpLocks noChangeAspect="true"/>
+            <a:grpSpLocks noChangeAspect="1"/>
           </p:cNvGrpSpPr>
           <p:nvPr/>
         </p:nvGrpSpPr>
         <p:grpSpPr>
-          <a:xfrm rot="0">
+          <a:xfrm>
             <a:off x="13291475" y="4196113"/>
             <a:ext cx="3820210" cy="3820195"/>
             <a:chOff x="0" y="0"/>
@@ -4314,12 +4244,12 @@
         </p:grpSpPr>
         <p:sp>
           <p:nvSpPr>
-            <p:cNvPr name="Freeform 16" id="16"/>
+            <p:cNvPr id="16" name="Freeform 16"/>
             <p:cNvSpPr/>
             <p:nvPr/>
           </p:nvSpPr>
           <p:spPr>
-            <a:xfrm flipH="false" flipV="false" rot="0">
+            <a:xfrm>
               <a:off x="0" y="0"/>
               <a:ext cx="6350000" cy="6349974"/>
             </a:xfrm>
@@ -4328,9 +4258,9 @@
               <a:gdLst/>
               <a:ahLst/>
               <a:cxnLst/>
-              <a:rect r="r" b="b" t="t" l="l"/>
+              <a:rect l="l" t="t" r="r" b="b"/>
               <a:pathLst>
-                <a:path h="6349974" w="6350000">
+                <a:path w="6350000" h="6349974">
                   <a:moveTo>
                     <a:pt x="6350000" y="3175025"/>
                   </a:moveTo>
@@ -4361,7 +4291,7 @@
             <a:blipFill>
               <a:blip r:embed="rId4"/>
               <a:stretch>
-                <a:fillRect l="-3916" t="0" r="-3916" b="0"/>
+                <a:fillRect l="-3916" r="-3916"/>
               </a:stretch>
             </a:blipFill>
           </p:spPr>
@@ -4369,12 +4299,12 @@
       </p:grpSp>
       <p:grpSp>
         <p:nvGrpSpPr>
-          <p:cNvPr name="Group 17" id="17"/>
+          <p:cNvPr id="17" name="Group 17"/>
           <p:cNvGrpSpPr/>
           <p:nvPr/>
         </p:nvGrpSpPr>
         <p:grpSpPr>
-          <a:xfrm rot="0">
+          <a:xfrm>
             <a:off x="1233762" y="1784017"/>
             <a:ext cx="15990861" cy="1165691"/>
             <a:chOff x="0" y="0"/>
@@ -4383,12 +4313,12 @@
         </p:grpSpPr>
         <p:sp>
           <p:nvSpPr>
-            <p:cNvPr name="Freeform 18" id="18"/>
+            <p:cNvPr id="18" name="Freeform 18"/>
             <p:cNvSpPr/>
             <p:nvPr/>
           </p:nvSpPr>
           <p:spPr>
-            <a:xfrm flipH="false" flipV="false" rot="0">
+            <a:xfrm>
               <a:off x="0" y="0"/>
               <a:ext cx="812800" cy="59251"/>
             </a:xfrm>
@@ -4397,9 +4327,9 @@
               <a:gdLst/>
               <a:ahLst/>
               <a:cxnLst/>
-              <a:rect r="r" b="b" t="t" l="l"/>
+              <a:rect l="l" t="t" r="r" b="b"/>
               <a:pathLst>
-                <a:path h="59251" w="812800">
+                <a:path w="812800" h="59251">
                   <a:moveTo>
                     <a:pt x="29625" y="0"/>
                   </a:moveTo>
@@ -4451,8 +4381,8 @@
         </p:sp>
         <p:sp>
           <p:nvSpPr>
-            <p:cNvPr name="TextBox 19" id="19"/>
-            <p:cNvSpPr txBox="true"/>
+            <p:cNvPr id="19" name="TextBox 19"/>
+            <p:cNvSpPr txBox="1"/>
             <p:nvPr/>
           </p:nvSpPr>
           <p:spPr>
@@ -4465,7 +4395,7 @@
             </a:prstGeom>
           </p:spPr>
           <p:txBody>
-            <a:bodyPr anchor="ctr" rtlCol="false" tIns="50800" lIns="50800" bIns="50800" rIns="50800"/>
+            <a:bodyPr lIns="50800" tIns="50800" rIns="50800" bIns="50800" rtlCol="0" anchor="ctr"/>
             <a:lstStyle/>
             <a:p>
               <a:pPr algn="ctr">
@@ -4473,18 +4403,19 @@
                   <a:spcPts val="2800"/>
                 </a:lnSpc>
               </a:pPr>
+              <a:endParaRPr/>
             </a:p>
           </p:txBody>
         </p:sp>
       </p:grpSp>
       <p:sp>
         <p:nvSpPr>
-          <p:cNvPr name="TextBox 20" id="20"/>
-          <p:cNvSpPr txBox="true"/>
+          <p:cNvPr id="20" name="TextBox 20"/>
+          <p:cNvSpPr txBox="1"/>
           <p:nvPr/>
         </p:nvSpPr>
         <p:spPr>
-          <a:xfrm rot="0">
+          <a:xfrm>
             <a:off x="1610209" y="8959961"/>
             <a:ext cx="2718648" cy="298339"/>
           </a:xfrm>
@@ -4493,7 +4424,7 @@
           </a:prstGeom>
         </p:spPr>
         <p:txBody>
-          <a:bodyPr anchor="t" rtlCol="false" tIns="0" lIns="0" bIns="0" rIns="0">
+          <a:bodyPr lIns="0" tIns="0" rIns="0" bIns="0" rtlCol="0" anchor="t">
             <a:spAutoFit/>
           </a:bodyPr>
           <a:lstStyle/>
@@ -4520,12 +4451,12 @@
       </p:sp>
       <p:sp>
         <p:nvSpPr>
-          <p:cNvPr name="TextBox 21" id="21"/>
-          <p:cNvSpPr txBox="true"/>
+          <p:cNvPr id="21" name="TextBox 21"/>
+          <p:cNvSpPr txBox="1"/>
           <p:nvPr/>
         </p:nvSpPr>
         <p:spPr>
-          <a:xfrm rot="0">
+          <a:xfrm>
             <a:off x="995275" y="8471424"/>
             <a:ext cx="4082215" cy="409822"/>
           </a:xfrm>
@@ -4534,7 +4465,7 @@
           </a:prstGeom>
         </p:spPr>
         <p:txBody>
-          <a:bodyPr anchor="t" rtlCol="false" tIns="0" lIns="0" bIns="0" rIns="0">
+          <a:bodyPr lIns="0" tIns="0" rIns="0" bIns="0" rtlCol="0" anchor="t">
             <a:spAutoFit/>
           </a:bodyPr>
           <a:lstStyle/>
@@ -4561,12 +4492,12 @@
       </p:sp>
       <p:sp>
         <p:nvSpPr>
-          <p:cNvPr name="TextBox 22" id="22"/>
-          <p:cNvSpPr txBox="true"/>
+          <p:cNvPr id="22" name="TextBox 22"/>
+          <p:cNvSpPr txBox="1"/>
           <p:nvPr/>
         </p:nvSpPr>
         <p:spPr>
-          <a:xfrm rot="0">
+          <a:xfrm>
             <a:off x="7684402" y="8959961"/>
             <a:ext cx="2718648" cy="298339"/>
           </a:xfrm>
@@ -4575,7 +4506,7 @@
           </a:prstGeom>
         </p:spPr>
         <p:txBody>
-          <a:bodyPr anchor="t" rtlCol="false" tIns="0" lIns="0" bIns="0" rIns="0">
+          <a:bodyPr lIns="0" tIns="0" rIns="0" bIns="0" rtlCol="0" anchor="t">
             <a:spAutoFit/>
           </a:bodyPr>
           <a:lstStyle/>
@@ -4602,12 +4533,12 @@
       </p:sp>
       <p:sp>
         <p:nvSpPr>
-          <p:cNvPr name="TextBox 23" id="23"/>
-          <p:cNvSpPr txBox="true"/>
+          <p:cNvPr id="23" name="TextBox 23"/>
+          <p:cNvSpPr txBox="1"/>
           <p:nvPr/>
         </p:nvSpPr>
         <p:spPr>
-          <a:xfrm rot="0">
+          <a:xfrm>
             <a:off x="7069468" y="8471424"/>
             <a:ext cx="4082215" cy="409822"/>
           </a:xfrm>
@@ -4616,7 +4547,7 @@
           </a:prstGeom>
         </p:spPr>
         <p:txBody>
-          <a:bodyPr anchor="t" rtlCol="false" tIns="0" lIns="0" bIns="0" rIns="0">
+          <a:bodyPr lIns="0" tIns="0" rIns="0" bIns="0" rtlCol="0" anchor="t">
             <a:spAutoFit/>
           </a:bodyPr>
           <a:lstStyle/>
@@ -4643,12 +4574,12 @@
       </p:sp>
       <p:sp>
         <p:nvSpPr>
-          <p:cNvPr name="TextBox 24" id="24"/>
-          <p:cNvSpPr txBox="true"/>
+          <p:cNvPr id="24" name="TextBox 24"/>
+          <p:cNvSpPr txBox="1"/>
           <p:nvPr/>
         </p:nvSpPr>
         <p:spPr>
-          <a:xfrm rot="0">
+          <a:xfrm>
             <a:off x="13757342" y="8959961"/>
             <a:ext cx="2718648" cy="298339"/>
           </a:xfrm>
@@ -4657,7 +4588,7 @@
           </a:prstGeom>
         </p:spPr>
         <p:txBody>
-          <a:bodyPr anchor="t" rtlCol="false" tIns="0" lIns="0" bIns="0" rIns="0">
+          <a:bodyPr lIns="0" tIns="0" rIns="0" bIns="0" rtlCol="0" anchor="t">
             <a:spAutoFit/>
           </a:bodyPr>
           <a:lstStyle/>
@@ -4684,12 +4615,12 @@
       </p:sp>
       <p:sp>
         <p:nvSpPr>
-          <p:cNvPr name="TextBox 25" id="25"/>
-          <p:cNvSpPr txBox="true"/>
+          <p:cNvPr id="25" name="TextBox 25"/>
+          <p:cNvSpPr txBox="1"/>
           <p:nvPr/>
         </p:nvSpPr>
         <p:spPr>
-          <a:xfrm rot="0">
+          <a:xfrm>
             <a:off x="13142408" y="8471424"/>
             <a:ext cx="4082215" cy="409822"/>
           </a:xfrm>
@@ -4698,7 +4629,7 @@
           </a:prstGeom>
         </p:spPr>
         <p:txBody>
-          <a:bodyPr anchor="t" rtlCol="false" tIns="0" lIns="0" bIns="0" rIns="0">
+          <a:bodyPr lIns="0" tIns="0" rIns="0" bIns="0" rtlCol="0" anchor="t">
             <a:spAutoFit/>
           </a:bodyPr>
           <a:lstStyle/>
@@ -4725,12 +4656,12 @@
       </p:sp>
       <p:sp>
         <p:nvSpPr>
-          <p:cNvPr name="TextBox 26" id="26"/>
-          <p:cNvSpPr txBox="true"/>
+          <p:cNvPr id="26" name="TextBox 26"/>
+          <p:cNvSpPr txBox="1"/>
           <p:nvPr/>
         </p:nvSpPr>
         <p:spPr>
-          <a:xfrm rot="0">
+          <a:xfrm>
             <a:off x="7777572" y="2011031"/>
             <a:ext cx="2636540" cy="644989"/>
           </a:xfrm>
@@ -4739,7 +4670,7 @@
           </a:prstGeom>
         </p:spPr>
         <p:txBody>
-          <a:bodyPr anchor="t" rtlCol="false" tIns="0" lIns="0" bIns="0" rIns="0">
+          <a:bodyPr lIns="0" tIns="0" rIns="0" bIns="0" rtlCol="0" anchor="t">
             <a:spAutoFit/>
           </a:bodyPr>
           <a:lstStyle/>
@@ -4753,7 +4684,7 @@
               </a:spcBef>
             </a:pPr>
             <a:r>
-              <a:rPr lang="en-US" b="true" sz="3856">
+              <a:rPr lang="en-US" sz="3856" b="1">
                 <a:solidFill>
                   <a:srgbClr val="000000"/>
                 </a:solidFill>
@@ -4776,7 +4707,7 @@
 </file>
 
 <file path=ppt/slides/slide2.xml><?xml version="1.0" encoding="utf-8"?>
-<p:sld xmlns:p="http://schemas.openxmlformats.org/presentationml/2006/main" xmlns:a="http://schemas.openxmlformats.org/drawingml/2006/main" xmlns:r="http://schemas.openxmlformats.org/officeDocument/2006/relationships">
+<p:sld xmlns:a="http://schemas.openxmlformats.org/drawingml/2006/main" xmlns:r="http://schemas.openxmlformats.org/officeDocument/2006/relationships" xmlns:p="http://schemas.openxmlformats.org/presentationml/2006/main">
   <p:cSld>
     <p:spTree>
       <p:nvGrpSpPr>
@@ -4794,12 +4725,12 @@
       </p:grpSpPr>
       <p:grpSp>
         <p:nvGrpSpPr>
-          <p:cNvPr name="Group 2" id="2"/>
+          <p:cNvPr id="2" name="Group 2"/>
           <p:cNvGrpSpPr/>
           <p:nvPr/>
         </p:nvGrpSpPr>
         <p:grpSpPr>
-          <a:xfrm rot="0">
+          <a:xfrm>
             <a:off x="3078694" y="4912732"/>
             <a:ext cx="2843387" cy="4154208"/>
             <a:chOff x="0" y="0"/>
@@ -4808,12 +4739,12 @@
         </p:grpSpPr>
         <p:sp>
           <p:nvSpPr>
-            <p:cNvPr name="Freeform 3" id="3"/>
+            <p:cNvPr id="3" name="Freeform 3"/>
             <p:cNvSpPr/>
             <p:nvPr/>
           </p:nvSpPr>
           <p:spPr>
-            <a:xfrm flipH="false" flipV="false" rot="0">
+            <a:xfrm>
               <a:off x="0" y="0"/>
               <a:ext cx="500118" cy="730676"/>
             </a:xfrm>
@@ -4822,9 +4753,9 @@
               <a:gdLst/>
               <a:ahLst/>
               <a:cxnLst/>
-              <a:rect r="r" b="b" t="t" l="l"/>
+              <a:rect l="l" t="t" r="r" b="b"/>
               <a:pathLst>
-                <a:path h="730676" w="500118">
+                <a:path w="500118" h="730676">
                   <a:moveTo>
                     <a:pt x="136139" y="0"/>
                   </a:moveTo>
@@ -4881,8 +4812,8 @@
         </p:sp>
         <p:sp>
           <p:nvSpPr>
-            <p:cNvPr name="TextBox 4" id="4"/>
-            <p:cNvSpPr txBox="true"/>
+            <p:cNvPr id="4" name="TextBox 4"/>
+            <p:cNvSpPr txBox="1"/>
             <p:nvPr/>
           </p:nvSpPr>
           <p:spPr>
@@ -4895,7 +4826,7 @@
             </a:prstGeom>
           </p:spPr>
           <p:txBody>
-            <a:bodyPr anchor="ctr" rtlCol="false" tIns="277829" lIns="277829" bIns="277829" rIns="277829"/>
+            <a:bodyPr lIns="277829" tIns="277829" rIns="277829" bIns="277829" rtlCol="0" anchor="ctr"/>
             <a:lstStyle/>
             <a:p>
               <a:pPr algn="ctr">
@@ -4921,12 +4852,12 @@
       </p:grpSp>
       <p:grpSp>
         <p:nvGrpSpPr>
-          <p:cNvPr name="Group 5" id="5"/>
+          <p:cNvPr id="5" name="Group 5"/>
           <p:cNvGrpSpPr/>
           <p:nvPr/>
         </p:nvGrpSpPr>
         <p:grpSpPr>
-          <a:xfrm rot="0">
+          <a:xfrm>
             <a:off x="12363142" y="4912732"/>
             <a:ext cx="2843387" cy="4154208"/>
             <a:chOff x="0" y="0"/>
@@ -4935,12 +4866,12 @@
         </p:grpSpPr>
         <p:sp>
           <p:nvSpPr>
-            <p:cNvPr name="Freeform 6" id="6"/>
+            <p:cNvPr id="6" name="Freeform 6"/>
             <p:cNvSpPr/>
             <p:nvPr/>
           </p:nvSpPr>
           <p:spPr>
-            <a:xfrm flipH="false" flipV="false" rot="0">
+            <a:xfrm>
               <a:off x="0" y="0"/>
               <a:ext cx="500118" cy="730676"/>
             </a:xfrm>
@@ -4949,9 +4880,9 @@
               <a:gdLst/>
               <a:ahLst/>
               <a:cxnLst/>
-              <a:rect r="r" b="b" t="t" l="l"/>
+              <a:rect l="l" t="t" r="r" b="b"/>
               <a:pathLst>
-                <a:path h="730676" w="500118">
+                <a:path w="500118" h="730676">
                   <a:moveTo>
                     <a:pt x="136139" y="0"/>
                   </a:moveTo>
@@ -5008,8 +4939,8 @@
         </p:sp>
         <p:sp>
           <p:nvSpPr>
-            <p:cNvPr name="TextBox 7" id="7"/>
-            <p:cNvSpPr txBox="true"/>
+            <p:cNvPr id="7" name="TextBox 7"/>
+            <p:cNvSpPr txBox="1"/>
             <p:nvPr/>
           </p:nvSpPr>
           <p:spPr>
@@ -5022,7 +4953,7 @@
             </a:prstGeom>
           </p:spPr>
           <p:txBody>
-            <a:bodyPr anchor="ctr" rtlCol="false" tIns="277829" lIns="277829" bIns="277829" rIns="277829"/>
+            <a:bodyPr lIns="277829" tIns="277829" rIns="277829" bIns="277829" rtlCol="0" anchor="ctr"/>
             <a:lstStyle/>
             <a:p>
               <a:pPr algn="ctr">
@@ -5048,12 +4979,12 @@
       </p:grpSp>
       <p:grpSp>
         <p:nvGrpSpPr>
-          <p:cNvPr name="Group 8" id="8"/>
+          <p:cNvPr id="8" name="Group 8"/>
           <p:cNvGrpSpPr/>
           <p:nvPr/>
         </p:nvGrpSpPr>
         <p:grpSpPr>
-          <a:xfrm rot="0">
+          <a:xfrm>
             <a:off x="7722306" y="4912732"/>
             <a:ext cx="2843387" cy="4154208"/>
             <a:chOff x="0" y="0"/>
@@ -5062,12 +4993,12 @@
         </p:grpSpPr>
         <p:sp>
           <p:nvSpPr>
-            <p:cNvPr name="Freeform 9" id="9"/>
+            <p:cNvPr id="9" name="Freeform 9"/>
             <p:cNvSpPr/>
             <p:nvPr/>
           </p:nvSpPr>
           <p:spPr>
-            <a:xfrm flipH="false" flipV="false" rot="0">
+            <a:xfrm>
               <a:off x="0" y="0"/>
               <a:ext cx="500118" cy="730676"/>
             </a:xfrm>
@@ -5076,9 +5007,9 @@
               <a:gdLst/>
               <a:ahLst/>
               <a:cxnLst/>
-              <a:rect r="r" b="b" t="t" l="l"/>
+              <a:rect l="l" t="t" r="r" b="b"/>
               <a:pathLst>
-                <a:path h="730676" w="500118">
+                <a:path w="500118" h="730676">
                   <a:moveTo>
                     <a:pt x="136139" y="0"/>
                   </a:moveTo>
@@ -5135,8 +5066,8 @@
         </p:sp>
         <p:sp>
           <p:nvSpPr>
-            <p:cNvPr name="TextBox 10" id="10"/>
-            <p:cNvSpPr txBox="true"/>
+            <p:cNvPr id="10" name="TextBox 10"/>
+            <p:cNvSpPr txBox="1"/>
             <p:nvPr/>
           </p:nvSpPr>
           <p:spPr>
@@ -5149,7 +5080,7 @@
             </a:prstGeom>
           </p:spPr>
           <p:txBody>
-            <a:bodyPr anchor="ctr" rtlCol="false" tIns="277829" lIns="277829" bIns="277829" rIns="277829"/>
+            <a:bodyPr lIns="277829" tIns="277829" rIns="277829" bIns="277829" rtlCol="0" anchor="ctr"/>
             <a:lstStyle/>
             <a:p>
               <a:pPr algn="ctr">
@@ -5175,12 +5106,12 @@
       </p:grpSp>
       <p:sp>
         <p:nvSpPr>
-          <p:cNvPr name="TextBox 11" id="11"/>
-          <p:cNvSpPr txBox="true"/>
+          <p:cNvPr id="11" name="TextBox 11"/>
+          <p:cNvSpPr txBox="1"/>
           <p:nvPr/>
         </p:nvSpPr>
         <p:spPr>
-          <a:xfrm rot="0">
+          <a:xfrm>
             <a:off x="3081471" y="1854423"/>
             <a:ext cx="12125059" cy="1219961"/>
           </a:xfrm>
@@ -5189,7 +5120,7 @@
           </a:prstGeom>
         </p:spPr>
         <p:txBody>
-          <a:bodyPr anchor="t" rtlCol="false" tIns="0" lIns="0" bIns="0" rIns="0">
+          <a:bodyPr lIns="0" tIns="0" rIns="0" bIns="0" rtlCol="0" anchor="t">
             <a:spAutoFit/>
           </a:bodyPr>
           <a:lstStyle/>
@@ -5200,7 +5131,7 @@
               </a:lnSpc>
             </a:pPr>
             <a:r>
-              <a:rPr lang="en-US" sz="9399" i="true">
+              <a:rPr lang="en-US" sz="9399" i="1">
                 <a:solidFill>
                   <a:srgbClr val="4C72FF"/>
                 </a:solidFill>
@@ -5216,12 +5147,12 @@
       </p:sp>
       <p:grpSp>
         <p:nvGrpSpPr>
-          <p:cNvPr name="Group 12" id="12"/>
+          <p:cNvPr id="12" name="Group 12"/>
           <p:cNvGrpSpPr/>
           <p:nvPr/>
         </p:nvGrpSpPr>
         <p:grpSpPr>
-          <a:xfrm rot="0">
+          <a:xfrm>
             <a:off x="14754106" y="1028700"/>
             <a:ext cx="2505194" cy="616173"/>
             <a:chOff x="0" y="0"/>
@@ -5230,12 +5161,12 @@
         </p:grpSpPr>
         <p:sp>
           <p:nvSpPr>
-            <p:cNvPr name="Freeform 13" id="13"/>
+            <p:cNvPr id="13" name="Freeform 13"/>
             <p:cNvSpPr/>
             <p:nvPr/>
           </p:nvSpPr>
           <p:spPr>
-            <a:xfrm flipH="false" flipV="false" rot="0">
+            <a:xfrm>
               <a:off x="0" y="0"/>
               <a:ext cx="659804" cy="162284"/>
             </a:xfrm>
@@ -5244,9 +5175,9 @@
               <a:gdLst/>
               <a:ahLst/>
               <a:cxnLst/>
-              <a:rect r="r" b="b" t="t" l="l"/>
+              <a:rect l="l" t="t" r="r" b="b"/>
               <a:pathLst>
-                <a:path h="162284" w="659804">
+                <a:path w="659804" h="162284">
                   <a:moveTo>
                     <a:pt x="81142" y="0"/>
                   </a:moveTo>
@@ -5322,8 +5253,8 @@
         </p:sp>
         <p:sp>
           <p:nvSpPr>
-            <p:cNvPr name="TextBox 14" id="14"/>
-            <p:cNvSpPr txBox="true"/>
+            <p:cNvPr id="14" name="TextBox 14"/>
+            <p:cNvSpPr txBox="1"/>
             <p:nvPr/>
           </p:nvSpPr>
           <p:spPr>
@@ -5336,10 +5267,10 @@
             </a:prstGeom>
           </p:spPr>
           <p:txBody>
-            <a:bodyPr anchor="ctr" rtlCol="false" tIns="50800" lIns="50800" bIns="50800" rIns="50800"/>
+            <a:bodyPr lIns="50800" tIns="50800" rIns="50800" bIns="50800" rtlCol="0" anchor="ctr"/>
             <a:lstStyle/>
             <a:p>
-              <a:pPr algn="ctr" marL="0" indent="0" lvl="0">
+              <a:pPr marL="0" lvl="0" indent="0" algn="ctr">
                 <a:lnSpc>
                   <a:spcPts val="2520"/>
                 </a:lnSpc>
@@ -5348,7 +5279,7 @@
                 </a:spcBef>
               </a:pPr>
               <a:r>
-                <a:rPr lang="en-US" b="true" sz="1800" strike="noStrike" u="none">
+                <a:rPr lang="en-US" sz="1800" b="1" u="none" strike="noStrike">
                   <a:solidFill>
                     <a:srgbClr val="4C72FF"/>
                   </a:solidFill>
@@ -5373,7 +5304,7 @@
 </file>
 
 <file path=ppt/slides/slide3.xml><?xml version="1.0" encoding="utf-8"?>
-<p:sld xmlns:p="http://schemas.openxmlformats.org/presentationml/2006/main" xmlns:a="http://schemas.openxmlformats.org/drawingml/2006/main" xmlns:r="http://schemas.openxmlformats.org/officeDocument/2006/relationships">
+<p:sld xmlns:a="http://schemas.openxmlformats.org/drawingml/2006/main" xmlns:r="http://schemas.openxmlformats.org/officeDocument/2006/relationships" xmlns:p="http://schemas.openxmlformats.org/presentationml/2006/main">
   <p:cSld>
     <p:spTree>
       <p:nvGrpSpPr>
@@ -5391,12 +5322,12 @@
       </p:grpSpPr>
       <p:grpSp>
         <p:nvGrpSpPr>
-          <p:cNvPr name="Group 2" id="2"/>
+          <p:cNvPr id="2" name="Group 2"/>
           <p:cNvGrpSpPr/>
           <p:nvPr/>
         </p:nvGrpSpPr>
         <p:grpSpPr>
-          <a:xfrm rot="0">
+          <a:xfrm>
             <a:off x="1274610" y="3786160"/>
             <a:ext cx="15984690" cy="5688267"/>
             <a:chOff x="0" y="0"/>
@@ -5405,12 +5336,12 @@
         </p:grpSpPr>
         <p:sp>
           <p:nvSpPr>
-            <p:cNvPr name="Freeform 3" id="3"/>
+            <p:cNvPr id="3" name="Freeform 3"/>
             <p:cNvSpPr/>
             <p:nvPr/>
           </p:nvSpPr>
           <p:spPr>
-            <a:xfrm flipH="false" flipV="false" rot="0">
+            <a:xfrm>
               <a:off x="0" y="0"/>
               <a:ext cx="3075281" cy="1094361"/>
             </a:xfrm>
@@ -5419,9 +5350,9 @@
               <a:gdLst/>
               <a:ahLst/>
               <a:cxnLst/>
-              <a:rect r="r" b="b" t="t" l="l"/>
+              <a:rect l="l" t="t" r="r" b="b"/>
               <a:pathLst>
-                <a:path h="1094361" w="3075281">
+                <a:path w="3075281" h="1094361">
                   <a:moveTo>
                     <a:pt x="29544" y="0"/>
                   </a:moveTo>
@@ -5478,8 +5409,8 @@
         </p:sp>
         <p:sp>
           <p:nvSpPr>
-            <p:cNvPr name="TextBox 4" id="4"/>
-            <p:cNvSpPr txBox="true"/>
+            <p:cNvPr id="4" name="TextBox 4"/>
+            <p:cNvSpPr txBox="1"/>
             <p:nvPr/>
           </p:nvSpPr>
           <p:spPr>
@@ -5492,7 +5423,7 @@
             </a:prstGeom>
           </p:spPr>
           <p:txBody>
-            <a:bodyPr anchor="t" rtlCol="false" tIns="254000" lIns="254000" bIns="254000" rIns="254000"/>
+            <a:bodyPr lIns="254000" tIns="254000" rIns="254000" bIns="254000" rtlCol="0" anchor="t"/>
             <a:lstStyle/>
             <a:p>
               <a:pPr algn="l">
@@ -5501,7 +5432,7 @@
                 </a:lnSpc>
               </a:pPr>
               <a:r>
-                <a:rPr lang="en-US" sz="2999" b="true">
+                <a:rPr lang="en-US" sz="2999" b="1">
                   <a:solidFill>
                     <a:srgbClr val="000000"/>
                   </a:solidFill>
@@ -5514,7 +5445,7 @@
               </a:r>
             </a:p>
             <a:p>
-              <a:pPr algn="l" marL="561337" indent="-280669" lvl="1">
+              <a:pPr marL="561337" lvl="1" indent="-280669" algn="l">
                 <a:lnSpc>
                   <a:spcPts val="3639"/>
                 </a:lnSpc>
@@ -5535,7 +5466,7 @@
               </a:r>
             </a:p>
             <a:p>
-              <a:pPr algn="l" marL="561337" indent="-280669" lvl="1">
+              <a:pPr marL="561337" lvl="1" indent="-280669" algn="l">
                 <a:lnSpc>
                   <a:spcPts val="3639"/>
                 </a:lnSpc>
@@ -5556,7 +5487,7 @@
               </a:r>
             </a:p>
             <a:p>
-              <a:pPr algn="l" marL="561337" indent="-280669" lvl="1">
+              <a:pPr marL="561337" lvl="1" indent="-280669" algn="l">
                 <a:lnSpc>
                   <a:spcPts val="3639"/>
                 </a:lnSpc>
@@ -5583,7 +5514,7 @@
                 </a:lnSpc>
               </a:pPr>
               <a:r>
-                <a:rPr lang="en-US" sz="2999" b="true">
+                <a:rPr lang="en-US" sz="2999" b="1">
                   <a:solidFill>
                     <a:srgbClr val="000000"/>
                   </a:solidFill>
@@ -5621,7 +5552,7 @@
                 </a:lnSpc>
               </a:pPr>
               <a:r>
-                <a:rPr lang="en-US" sz="2999" b="true">
+                <a:rPr lang="en-US" sz="2999" b="1">
                   <a:solidFill>
                     <a:srgbClr val="000000"/>
                   </a:solidFill>
@@ -5659,7 +5590,7 @@
                 </a:lnSpc>
               </a:pPr>
               <a:r>
-                <a:rPr lang="en-US" sz="2999" b="true">
+                <a:rPr lang="en-US" sz="2999" b="1">
                   <a:solidFill>
                     <a:srgbClr val="000000"/>
                   </a:solidFill>
@@ -5695,12 +5626,12 @@
       </p:grpSp>
       <p:sp>
         <p:nvSpPr>
-          <p:cNvPr name="TextBox 5" id="5"/>
-          <p:cNvSpPr txBox="true"/>
+          <p:cNvPr id="5" name="TextBox 5"/>
+          <p:cNvSpPr txBox="1"/>
           <p:nvPr/>
         </p:nvSpPr>
         <p:spPr>
-          <a:xfrm rot="0">
+          <a:xfrm>
             <a:off x="2378710" y="1235049"/>
             <a:ext cx="6394858" cy="1364064"/>
           </a:xfrm>
@@ -5709,7 +5640,7 @@
           </a:prstGeom>
         </p:spPr>
         <p:txBody>
-          <a:bodyPr anchor="t" rtlCol="false" tIns="0" lIns="0" bIns="0" rIns="0">
+          <a:bodyPr lIns="0" tIns="0" rIns="0" bIns="0" rtlCol="0" anchor="t">
             <a:spAutoFit/>
           </a:bodyPr>
           <a:lstStyle/>
@@ -5736,12 +5667,12 @@
       </p:sp>
       <p:grpSp>
         <p:nvGrpSpPr>
-          <p:cNvPr name="Group 6" id="6"/>
+          <p:cNvPr id="6" name="Group 6"/>
           <p:cNvGrpSpPr/>
           <p:nvPr/>
         </p:nvGrpSpPr>
         <p:grpSpPr>
-          <a:xfrm rot="0">
+          <a:xfrm>
             <a:off x="1274610" y="1425265"/>
             <a:ext cx="793131" cy="793131"/>
             <a:chOff x="0" y="0"/>
@@ -5750,12 +5681,12 @@
         </p:grpSpPr>
         <p:grpSp>
           <p:nvGrpSpPr>
-            <p:cNvPr name="Group 7" id="7"/>
+            <p:cNvPr id="7" name="Group 7"/>
             <p:cNvGrpSpPr/>
             <p:nvPr/>
           </p:nvGrpSpPr>
           <p:grpSpPr>
-            <a:xfrm rot="0">
+            <a:xfrm>
               <a:off x="0" y="0"/>
               <a:ext cx="1057508" cy="1057508"/>
               <a:chOff x="0" y="0"/>
@@ -5764,12 +5695,12 @@
           </p:grpSpPr>
           <p:sp>
             <p:nvSpPr>
-              <p:cNvPr name="Freeform 8" id="8"/>
+              <p:cNvPr id="8" name="Freeform 8"/>
               <p:cNvSpPr/>
               <p:nvPr/>
             </p:nvSpPr>
             <p:spPr>
-              <a:xfrm flipH="false" flipV="false" rot="0">
+              <a:xfrm>
                 <a:off x="0" y="0"/>
                 <a:ext cx="812800" cy="812800"/>
               </a:xfrm>
@@ -5778,9 +5709,9 @@
                 <a:gdLst/>
                 <a:ahLst/>
                 <a:cxnLst/>
-                <a:rect r="r" b="b" t="t" l="l"/>
+                <a:rect l="l" t="t" r="r" b="b"/>
                 <a:pathLst>
-                  <a:path h="812800" w="812800">
+                  <a:path w="812800" h="812800">
                     <a:moveTo>
                       <a:pt x="406400" y="0"/>
                     </a:moveTo>
@@ -5815,8 +5746,8 @@
           </p:sp>
           <p:sp>
             <p:nvSpPr>
-              <p:cNvPr name="TextBox 9" id="9"/>
-              <p:cNvSpPr txBox="true"/>
+              <p:cNvPr id="9" name="TextBox 9"/>
+              <p:cNvSpPr txBox="1"/>
               <p:nvPr/>
             </p:nvSpPr>
             <p:spPr>
@@ -5829,7 +5760,7 @@
               </a:prstGeom>
             </p:spPr>
             <p:txBody>
-              <a:bodyPr anchor="ctr" rtlCol="false" tIns="50800" lIns="50800" bIns="50800" rIns="50800"/>
+              <a:bodyPr lIns="50800" tIns="50800" rIns="50800" bIns="50800" rtlCol="0" anchor="ctr"/>
               <a:lstStyle/>
               <a:p>
                 <a:pPr algn="ctr">
@@ -5837,18 +5768,19 @@
                     <a:spcPts val="1872"/>
                   </a:lnSpc>
                 </a:pPr>
+                <a:endParaRPr/>
               </a:p>
             </p:txBody>
           </p:sp>
         </p:grpSp>
         <p:sp>
           <p:nvSpPr>
-            <p:cNvPr name="Freeform 10" id="10"/>
+            <p:cNvPr id="10" name="Freeform 10"/>
             <p:cNvSpPr/>
             <p:nvPr/>
           </p:nvSpPr>
           <p:spPr>
-            <a:xfrm flipH="false" flipV="false" rot="0">
+            <a:xfrm>
               <a:off x="185013" y="185013"/>
               <a:ext cx="687482" cy="687482"/>
             </a:xfrm>
@@ -5857,9 +5789,9 @@
               <a:gdLst/>
               <a:ahLst/>
               <a:cxnLst/>
-              <a:rect r="r" b="b" t="t" l="l"/>
+              <a:rect l="l" t="t" r="r" b="b"/>
               <a:pathLst>
-                <a:path h="687482" w="687482">
+                <a:path w="687482" h="687482">
                   <a:moveTo>
                     <a:pt x="0" y="0"/>
                   </a:moveTo>
@@ -5888,7 +5820,7 @@
                 </a:extLst>
               </a:blip>
               <a:stretch>
-                <a:fillRect l="0" t="0" r="0" b="0"/>
+                <a:fillRect/>
               </a:stretch>
             </a:blipFill>
           </p:spPr>
@@ -5903,7 +5835,7 @@
 </file>
 
 <file path=ppt/slides/slide4.xml><?xml version="1.0" encoding="utf-8"?>
-<p:sld xmlns:p="http://schemas.openxmlformats.org/presentationml/2006/main" xmlns:a="http://schemas.openxmlformats.org/drawingml/2006/main" xmlns:r="http://schemas.openxmlformats.org/officeDocument/2006/relationships">
+<p:sld xmlns:a="http://schemas.openxmlformats.org/drawingml/2006/main" xmlns:r="http://schemas.openxmlformats.org/officeDocument/2006/relationships" xmlns:p="http://schemas.openxmlformats.org/presentationml/2006/main">
   <p:cSld>
     <p:spTree>
       <p:nvGrpSpPr>
@@ -5919,38 +5851,14 @@
           <a:chExt cx="0" cy="0"/>
         </a:xfrm>
       </p:grpSpPr>
-      <p:pic>
-        <p:nvPicPr>
-          <p:cNvPr name="Picture 2" id="2"/>
-          <p:cNvPicPr>
-            <a:picLocks noChangeAspect="true"/>
-          </p:cNvPicPr>
+      <p:sp>
+        <p:nvSpPr>
+          <p:cNvPr id="2" name="TextBox 2"/>
+          <p:cNvSpPr txBox="1"/>
           <p:nvPr/>
-        </p:nvPicPr>
-        <p:blipFill>
-          <a:blip r:embed="rId2"/>
-          <a:stretch>
-            <a:fillRect/>
-          </a:stretch>
-        </p:blipFill>
+        </p:nvSpPr>
         <p:spPr>
-          <a:xfrm rot="0">
-            <a:off x="4934514" y="1913254"/>
-            <a:ext cx="13445221" cy="8465481"/>
-          </a:xfrm>
-          <a:prstGeom prst="rect">
-            <a:avLst/>
-          </a:prstGeom>
-        </p:spPr>
-      </p:pic>
-      <p:sp>
-        <p:nvSpPr>
-          <p:cNvPr name="TextBox 3" id="3"/>
-          <p:cNvSpPr txBox="true"/>
-          <p:nvPr/>
-        </p:nvSpPr>
-        <p:spPr>
-          <a:xfrm rot="0">
+          <a:xfrm>
             <a:off x="1028700" y="1606997"/>
             <a:ext cx="6455416" cy="963930"/>
           </a:xfrm>
@@ -5959,7 +5867,7 @@
           </a:prstGeom>
         </p:spPr>
         <p:txBody>
-          <a:bodyPr anchor="t" rtlCol="false" tIns="0" lIns="0" bIns="0" rIns="0">
+          <a:bodyPr lIns="0" tIns="0" rIns="0" bIns="0" rtlCol="0" anchor="t">
             <a:spAutoFit/>
           </a:bodyPr>
           <a:lstStyle/>
@@ -5986,12 +5894,12 @@
       </p:sp>
       <p:grpSp>
         <p:nvGrpSpPr>
-          <p:cNvPr name="Group 4" id="4"/>
+          <p:cNvPr id="3" name="Group 3"/>
           <p:cNvGrpSpPr/>
           <p:nvPr/>
         </p:nvGrpSpPr>
         <p:grpSpPr>
-          <a:xfrm rot="0">
+          <a:xfrm>
             <a:off x="16466169" y="1028700"/>
             <a:ext cx="793131" cy="793131"/>
             <a:chOff x="0" y="0"/>
@@ -6000,12 +5908,12 @@
         </p:grpSpPr>
         <p:grpSp>
           <p:nvGrpSpPr>
-            <p:cNvPr name="Group 5" id="5"/>
+            <p:cNvPr id="4" name="Group 4"/>
             <p:cNvGrpSpPr/>
             <p:nvPr/>
           </p:nvGrpSpPr>
           <p:grpSpPr>
-            <a:xfrm rot="0">
+            <a:xfrm>
               <a:off x="0" y="0"/>
               <a:ext cx="1057508" cy="1057508"/>
               <a:chOff x="0" y="0"/>
@@ -6014,12 +5922,12 @@
           </p:grpSpPr>
           <p:sp>
             <p:nvSpPr>
-              <p:cNvPr name="Freeform 6" id="6"/>
+              <p:cNvPr id="5" name="Freeform 5"/>
               <p:cNvSpPr/>
               <p:nvPr/>
             </p:nvSpPr>
             <p:spPr>
-              <a:xfrm flipH="false" flipV="false" rot="0">
+              <a:xfrm>
                 <a:off x="0" y="0"/>
                 <a:ext cx="812800" cy="812800"/>
               </a:xfrm>
@@ -6028,9 +5936,9 @@
                 <a:gdLst/>
                 <a:ahLst/>
                 <a:cxnLst/>
-                <a:rect r="r" b="b" t="t" l="l"/>
+                <a:rect l="l" t="t" r="r" b="b"/>
                 <a:pathLst>
-                  <a:path h="812800" w="812800">
+                  <a:path w="812800" h="812800">
                     <a:moveTo>
                       <a:pt x="406400" y="0"/>
                     </a:moveTo>
@@ -6065,8 +5973,8 @@
           </p:sp>
           <p:sp>
             <p:nvSpPr>
-              <p:cNvPr name="TextBox 7" id="7"/>
-              <p:cNvSpPr txBox="true"/>
+              <p:cNvPr id="6" name="TextBox 6"/>
+              <p:cNvSpPr txBox="1"/>
               <p:nvPr/>
             </p:nvSpPr>
             <p:spPr>
@@ -6079,7 +5987,7 @@
               </a:prstGeom>
             </p:spPr>
             <p:txBody>
-              <a:bodyPr anchor="ctr" rtlCol="false" tIns="50800" lIns="50800" bIns="50800" rIns="50800"/>
+              <a:bodyPr lIns="50800" tIns="50800" rIns="50800" bIns="50800" rtlCol="0" anchor="ctr"/>
               <a:lstStyle/>
               <a:p>
                 <a:pPr algn="ctr">
@@ -6087,18 +5995,19 @@
                     <a:spcPts val="1872"/>
                   </a:lnSpc>
                 </a:pPr>
+                <a:endParaRPr/>
               </a:p>
             </p:txBody>
           </p:sp>
         </p:grpSp>
         <p:sp>
           <p:nvSpPr>
-            <p:cNvPr name="Freeform 8" id="8"/>
+            <p:cNvPr id="7" name="Freeform 7"/>
             <p:cNvSpPr/>
             <p:nvPr/>
           </p:nvSpPr>
           <p:spPr>
-            <a:xfrm flipH="false" flipV="false" rot="0">
+            <a:xfrm>
               <a:off x="185013" y="185013"/>
               <a:ext cx="687482" cy="687482"/>
             </a:xfrm>
@@ -6107,9 +6016,9 @@
               <a:gdLst/>
               <a:ahLst/>
               <a:cxnLst/>
-              <a:rect r="r" b="b" t="t" l="l"/>
+              <a:rect l="l" t="t" r="r" b="b"/>
               <a:pathLst>
-                <a:path h="687482" w="687482">
+                <a:path w="687482" h="687482">
                   <a:moveTo>
                     <a:pt x="0" y="0"/>
                   </a:moveTo>
@@ -6130,20 +6039,56 @@
               </a:pathLst>
             </a:custGeom>
             <a:blipFill>
-              <a:blip r:embed="rId3">
+              <a:blip r:embed="rId2">
                 <a:extLst>
                   <a:ext uri="{96DAC541-7B7A-43D3-8B79-37D633B846F1}">
-                    <asvg:svgBlip xmlns:asvg="http://schemas.microsoft.com/office/drawing/2016/SVG/main" r:embed="rId4"/>
+                    <asvg:svgBlip xmlns:asvg="http://schemas.microsoft.com/office/drawing/2016/SVG/main" r:embed="rId3"/>
                   </a:ext>
                 </a:extLst>
               </a:blip>
               <a:stretch>
-                <a:fillRect l="0" t="0" r="0" b="0"/>
+                <a:fillRect/>
               </a:stretch>
             </a:blipFill>
           </p:spPr>
         </p:sp>
       </p:grpSp>
+      <p:pic>
+        <p:nvPicPr>
+          <p:cNvPr id="9" name="Picture 8">
+            <a:extLst>
+              <a:ext uri="{FF2B5EF4-FFF2-40B4-BE49-F238E27FC236}">
+                <a16:creationId xmlns:a16="http://schemas.microsoft.com/office/drawing/2014/main" id="{07BDC5DD-1D00-C275-D2C7-226E7F29D23D}"/>
+              </a:ext>
+            </a:extLst>
+          </p:cNvPr>
+          <p:cNvPicPr>
+            <a:picLocks noChangeAspect="1"/>
+          </p:cNvPicPr>
+          <p:nvPr/>
+        </p:nvPicPr>
+        <p:blipFill>
+          <a:blip r:embed="rId4">
+            <a:extLst>
+              <a:ext uri="{28A0092B-C50C-407E-A947-70E740481C1C}">
+                <a14:useLocalDpi xmlns:a14="http://schemas.microsoft.com/office/drawing/2010/main" val="0"/>
+              </a:ext>
+            </a:extLst>
+          </a:blip>
+          <a:stretch>
+            <a:fillRect/>
+          </a:stretch>
+        </p:blipFill>
+        <p:spPr>
+          <a:xfrm>
+            <a:off x="2286000" y="2572741"/>
+            <a:ext cx="12801600" cy="7200900"/>
+          </a:xfrm>
+          <a:prstGeom prst="rect">
+            <a:avLst/>
+          </a:prstGeom>
+        </p:spPr>
+      </p:pic>
     </p:spTree>
   </p:cSld>
   <p:clrMapOvr>
@@ -6153,7 +6098,7 @@
 </file>
 
 <file path=ppt/slides/slide5.xml><?xml version="1.0" encoding="utf-8"?>
-<p:sld xmlns:p="http://schemas.openxmlformats.org/presentationml/2006/main" xmlns:a="http://schemas.openxmlformats.org/drawingml/2006/main" xmlns:r="http://schemas.openxmlformats.org/officeDocument/2006/relationships">
+<p:sld xmlns:a="http://schemas.openxmlformats.org/drawingml/2006/main" xmlns:r="http://schemas.openxmlformats.org/officeDocument/2006/relationships" xmlns:p="http://schemas.openxmlformats.org/presentationml/2006/main">
   <p:cSld>
     <p:spTree>
       <p:nvGrpSpPr>
@@ -6169,38 +6114,14 @@
           <a:chExt cx="0" cy="0"/>
         </a:xfrm>
       </p:grpSpPr>
-      <p:pic>
-        <p:nvPicPr>
-          <p:cNvPr name="Picture 2" id="2"/>
-          <p:cNvPicPr>
-            <a:picLocks noChangeAspect="true"/>
-          </p:cNvPicPr>
+      <p:sp>
+        <p:nvSpPr>
+          <p:cNvPr id="2" name="TextBox 2"/>
+          <p:cNvSpPr txBox="1"/>
           <p:nvPr/>
-        </p:nvPicPr>
-        <p:blipFill>
-          <a:blip r:embed="rId2"/>
-          <a:stretch>
-            <a:fillRect/>
-          </a:stretch>
-        </p:blipFill>
+        </p:nvSpPr>
         <p:spPr>
-          <a:xfrm rot="0">
-            <a:off x="4934514" y="1913254"/>
-            <a:ext cx="13445221" cy="8465481"/>
-          </a:xfrm>
-          <a:prstGeom prst="rect">
-            <a:avLst/>
-          </a:prstGeom>
-        </p:spPr>
-      </p:pic>
-      <p:sp>
-        <p:nvSpPr>
-          <p:cNvPr name="TextBox 3" id="3"/>
-          <p:cNvSpPr txBox="true"/>
-          <p:nvPr/>
-        </p:nvSpPr>
-        <p:spPr>
-          <a:xfrm rot="0">
+          <a:xfrm>
             <a:off x="1028700" y="1606997"/>
             <a:ext cx="6455416" cy="963930"/>
           </a:xfrm>
@@ -6209,7 +6130,7 @@
           </a:prstGeom>
         </p:spPr>
         <p:txBody>
-          <a:bodyPr anchor="t" rtlCol="false" tIns="0" lIns="0" bIns="0" rIns="0">
+          <a:bodyPr lIns="0" tIns="0" rIns="0" bIns="0" rtlCol="0" anchor="t">
             <a:spAutoFit/>
           </a:bodyPr>
           <a:lstStyle/>
@@ -6236,12 +6157,12 @@
       </p:sp>
       <p:grpSp>
         <p:nvGrpSpPr>
-          <p:cNvPr name="Group 4" id="4"/>
+          <p:cNvPr id="3" name="Group 3"/>
           <p:cNvGrpSpPr/>
           <p:nvPr/>
         </p:nvGrpSpPr>
         <p:grpSpPr>
-          <a:xfrm rot="0">
+          <a:xfrm>
             <a:off x="16466169" y="1028700"/>
             <a:ext cx="793131" cy="793131"/>
             <a:chOff x="0" y="0"/>
@@ -6250,12 +6171,12 @@
         </p:grpSpPr>
         <p:grpSp>
           <p:nvGrpSpPr>
-            <p:cNvPr name="Group 5" id="5"/>
+            <p:cNvPr id="4" name="Group 4"/>
             <p:cNvGrpSpPr/>
             <p:nvPr/>
           </p:nvGrpSpPr>
           <p:grpSpPr>
-            <a:xfrm rot="0">
+            <a:xfrm>
               <a:off x="0" y="0"/>
               <a:ext cx="1057508" cy="1057508"/>
               <a:chOff x="0" y="0"/>
@@ -6264,12 +6185,12 @@
           </p:grpSpPr>
           <p:sp>
             <p:nvSpPr>
-              <p:cNvPr name="Freeform 6" id="6"/>
+              <p:cNvPr id="5" name="Freeform 5"/>
               <p:cNvSpPr/>
               <p:nvPr/>
             </p:nvSpPr>
             <p:spPr>
-              <a:xfrm flipH="false" flipV="false" rot="0">
+              <a:xfrm>
                 <a:off x="0" y="0"/>
                 <a:ext cx="812800" cy="812800"/>
               </a:xfrm>
@@ -6278,9 +6199,9 @@
                 <a:gdLst/>
                 <a:ahLst/>
                 <a:cxnLst/>
-                <a:rect r="r" b="b" t="t" l="l"/>
+                <a:rect l="l" t="t" r="r" b="b"/>
                 <a:pathLst>
-                  <a:path h="812800" w="812800">
+                  <a:path w="812800" h="812800">
                     <a:moveTo>
                       <a:pt x="406400" y="0"/>
                     </a:moveTo>
@@ -6315,8 +6236,8 @@
           </p:sp>
           <p:sp>
             <p:nvSpPr>
-              <p:cNvPr name="TextBox 7" id="7"/>
-              <p:cNvSpPr txBox="true"/>
+              <p:cNvPr id="6" name="TextBox 6"/>
+              <p:cNvSpPr txBox="1"/>
               <p:nvPr/>
             </p:nvSpPr>
             <p:spPr>
@@ -6329,7 +6250,7 @@
               </a:prstGeom>
             </p:spPr>
             <p:txBody>
-              <a:bodyPr anchor="ctr" rtlCol="false" tIns="50800" lIns="50800" bIns="50800" rIns="50800"/>
+              <a:bodyPr lIns="50800" tIns="50800" rIns="50800" bIns="50800" rtlCol="0" anchor="ctr"/>
               <a:lstStyle/>
               <a:p>
                 <a:pPr algn="ctr">
@@ -6337,18 +6258,19 @@
                     <a:spcPts val="1872"/>
                   </a:lnSpc>
                 </a:pPr>
+                <a:endParaRPr/>
               </a:p>
             </p:txBody>
           </p:sp>
         </p:grpSp>
         <p:sp>
           <p:nvSpPr>
-            <p:cNvPr name="Freeform 8" id="8"/>
+            <p:cNvPr id="7" name="Freeform 7"/>
             <p:cNvSpPr/>
             <p:nvPr/>
           </p:nvSpPr>
           <p:spPr>
-            <a:xfrm flipH="false" flipV="false" rot="0">
+            <a:xfrm>
               <a:off x="185013" y="185013"/>
               <a:ext cx="687482" cy="687482"/>
             </a:xfrm>
@@ -6357,9 +6279,9 @@
               <a:gdLst/>
               <a:ahLst/>
               <a:cxnLst/>
-              <a:rect r="r" b="b" t="t" l="l"/>
+              <a:rect l="l" t="t" r="r" b="b"/>
               <a:pathLst>
-                <a:path h="687482" w="687482">
+                <a:path w="687482" h="687482">
                   <a:moveTo>
                     <a:pt x="0" y="0"/>
                   </a:moveTo>
@@ -6380,20 +6302,56 @@
               </a:pathLst>
             </a:custGeom>
             <a:blipFill>
-              <a:blip r:embed="rId3">
+              <a:blip r:embed="rId2">
                 <a:extLst>
                   <a:ext uri="{96DAC541-7B7A-43D3-8B79-37D633B846F1}">
-                    <asvg:svgBlip xmlns:asvg="http://schemas.microsoft.com/office/drawing/2016/SVG/main" r:embed="rId4"/>
+                    <asvg:svgBlip xmlns:asvg="http://schemas.microsoft.com/office/drawing/2016/SVG/main" r:embed="rId3"/>
                   </a:ext>
                 </a:extLst>
               </a:blip>
               <a:stretch>
-                <a:fillRect l="0" t="0" r="0" b="0"/>
+                <a:fillRect/>
               </a:stretch>
             </a:blipFill>
           </p:spPr>
         </p:sp>
       </p:grpSp>
+      <p:pic>
+        <p:nvPicPr>
+          <p:cNvPr id="9" name="Picture 8">
+            <a:extLst>
+              <a:ext uri="{FF2B5EF4-FFF2-40B4-BE49-F238E27FC236}">
+                <a16:creationId xmlns:a16="http://schemas.microsoft.com/office/drawing/2014/main" id="{4F3732D8-A06A-E488-523C-29C894CAEDBF}"/>
+              </a:ext>
+            </a:extLst>
+          </p:cNvPr>
+          <p:cNvPicPr>
+            <a:picLocks noChangeAspect="1"/>
+          </p:cNvPicPr>
+          <p:nvPr/>
+        </p:nvPicPr>
+        <p:blipFill>
+          <a:blip r:embed="rId4">
+            <a:extLst>
+              <a:ext uri="{28A0092B-C50C-407E-A947-70E740481C1C}">
+                <a14:useLocalDpi xmlns:a14="http://schemas.microsoft.com/office/drawing/2010/main" val="0"/>
+              </a:ext>
+            </a:extLst>
+          </a:blip>
+          <a:stretch>
+            <a:fillRect/>
+          </a:stretch>
+        </p:blipFill>
+        <p:spPr>
+          <a:xfrm>
+            <a:off x="2743200" y="2570927"/>
+            <a:ext cx="13335000" cy="7500938"/>
+          </a:xfrm>
+          <a:prstGeom prst="rect">
+            <a:avLst/>
+          </a:prstGeom>
+        </p:spPr>
+      </p:pic>
     </p:spTree>
   </p:cSld>
   <p:clrMapOvr>
@@ -6403,7 +6361,7 @@
 </file>
 
 <file path=ppt/slides/slide6.xml><?xml version="1.0" encoding="utf-8"?>
-<p:sld xmlns:p="http://schemas.openxmlformats.org/presentationml/2006/main" xmlns:a="http://schemas.openxmlformats.org/drawingml/2006/main" xmlns:r="http://schemas.openxmlformats.org/officeDocument/2006/relationships">
+<p:sld xmlns:a="http://schemas.openxmlformats.org/drawingml/2006/main" xmlns:r="http://schemas.openxmlformats.org/officeDocument/2006/relationships" xmlns:p="http://schemas.openxmlformats.org/presentationml/2006/main">
   <p:cSld>
     <p:spTree>
       <p:nvGrpSpPr>
@@ -6419,38 +6377,14 @@
           <a:chExt cx="0" cy="0"/>
         </a:xfrm>
       </p:grpSpPr>
-      <p:pic>
-        <p:nvPicPr>
-          <p:cNvPr name="Picture 2" id="2"/>
-          <p:cNvPicPr>
-            <a:picLocks noChangeAspect="true"/>
-          </p:cNvPicPr>
+      <p:sp>
+        <p:nvSpPr>
+          <p:cNvPr id="2" name="TextBox 2"/>
+          <p:cNvSpPr txBox="1"/>
           <p:nvPr/>
-        </p:nvPicPr>
-        <p:blipFill>
-          <a:blip r:embed="rId2"/>
-          <a:stretch>
-            <a:fillRect/>
-          </a:stretch>
-        </p:blipFill>
+        </p:nvSpPr>
         <p:spPr>
-          <a:xfrm rot="0">
-            <a:off x="4934514" y="1913254"/>
-            <a:ext cx="13445221" cy="8465481"/>
-          </a:xfrm>
-          <a:prstGeom prst="rect">
-            <a:avLst/>
-          </a:prstGeom>
-        </p:spPr>
-      </p:pic>
-      <p:sp>
-        <p:nvSpPr>
-          <p:cNvPr name="TextBox 3" id="3"/>
-          <p:cNvSpPr txBox="true"/>
-          <p:nvPr/>
-        </p:nvSpPr>
-        <p:spPr>
-          <a:xfrm rot="0">
+          <a:xfrm>
             <a:off x="1028700" y="1606997"/>
             <a:ext cx="8115300" cy="963930"/>
           </a:xfrm>
@@ -6459,7 +6393,7 @@
           </a:prstGeom>
         </p:spPr>
         <p:txBody>
-          <a:bodyPr anchor="t" rtlCol="false" tIns="0" lIns="0" bIns="0" rIns="0">
+          <a:bodyPr lIns="0" tIns="0" rIns="0" bIns="0" rtlCol="0" anchor="t">
             <a:spAutoFit/>
           </a:bodyPr>
           <a:lstStyle/>
@@ -6486,12 +6420,12 @@
       </p:sp>
       <p:grpSp>
         <p:nvGrpSpPr>
-          <p:cNvPr name="Group 4" id="4"/>
+          <p:cNvPr id="3" name="Group 3"/>
           <p:cNvGrpSpPr/>
           <p:nvPr/>
         </p:nvGrpSpPr>
         <p:grpSpPr>
-          <a:xfrm rot="0">
+          <a:xfrm>
             <a:off x="16466169" y="1028700"/>
             <a:ext cx="793131" cy="793131"/>
             <a:chOff x="0" y="0"/>
@@ -6500,12 +6434,12 @@
         </p:grpSpPr>
         <p:grpSp>
           <p:nvGrpSpPr>
-            <p:cNvPr name="Group 5" id="5"/>
+            <p:cNvPr id="4" name="Group 4"/>
             <p:cNvGrpSpPr/>
             <p:nvPr/>
           </p:nvGrpSpPr>
           <p:grpSpPr>
-            <a:xfrm rot="0">
+            <a:xfrm>
               <a:off x="0" y="0"/>
               <a:ext cx="1057508" cy="1057508"/>
               <a:chOff x="0" y="0"/>
@@ -6514,12 +6448,12 @@
           </p:grpSpPr>
           <p:sp>
             <p:nvSpPr>
-              <p:cNvPr name="Freeform 6" id="6"/>
+              <p:cNvPr id="5" name="Freeform 5"/>
               <p:cNvSpPr/>
               <p:nvPr/>
             </p:nvSpPr>
             <p:spPr>
-              <a:xfrm flipH="false" flipV="false" rot="0">
+              <a:xfrm>
                 <a:off x="0" y="0"/>
                 <a:ext cx="812800" cy="812800"/>
               </a:xfrm>
@@ -6528,9 +6462,9 @@
                 <a:gdLst/>
                 <a:ahLst/>
                 <a:cxnLst/>
-                <a:rect r="r" b="b" t="t" l="l"/>
+                <a:rect l="l" t="t" r="r" b="b"/>
                 <a:pathLst>
-                  <a:path h="812800" w="812800">
+                  <a:path w="812800" h="812800">
                     <a:moveTo>
                       <a:pt x="406400" y="0"/>
                     </a:moveTo>
@@ -6565,8 +6499,8 @@
           </p:sp>
           <p:sp>
             <p:nvSpPr>
-              <p:cNvPr name="TextBox 7" id="7"/>
-              <p:cNvSpPr txBox="true"/>
+              <p:cNvPr id="6" name="TextBox 6"/>
+              <p:cNvSpPr txBox="1"/>
               <p:nvPr/>
             </p:nvSpPr>
             <p:spPr>
@@ -6579,7 +6513,7 @@
               </a:prstGeom>
             </p:spPr>
             <p:txBody>
-              <a:bodyPr anchor="ctr" rtlCol="false" tIns="50800" lIns="50800" bIns="50800" rIns="50800"/>
+              <a:bodyPr lIns="50800" tIns="50800" rIns="50800" bIns="50800" rtlCol="0" anchor="ctr"/>
               <a:lstStyle/>
               <a:p>
                 <a:pPr algn="ctr">
@@ -6587,18 +6521,19 @@
                     <a:spcPts val="1872"/>
                   </a:lnSpc>
                 </a:pPr>
+                <a:endParaRPr/>
               </a:p>
             </p:txBody>
           </p:sp>
         </p:grpSp>
         <p:sp>
           <p:nvSpPr>
-            <p:cNvPr name="Freeform 8" id="8"/>
+            <p:cNvPr id="7" name="Freeform 7"/>
             <p:cNvSpPr/>
             <p:nvPr/>
           </p:nvSpPr>
           <p:spPr>
-            <a:xfrm flipH="false" flipV="false" rot="0">
+            <a:xfrm>
               <a:off x="185013" y="185013"/>
               <a:ext cx="687482" cy="687482"/>
             </a:xfrm>
@@ -6607,9 +6542,9 @@
               <a:gdLst/>
               <a:ahLst/>
               <a:cxnLst/>
-              <a:rect r="r" b="b" t="t" l="l"/>
+              <a:rect l="l" t="t" r="r" b="b"/>
               <a:pathLst>
-                <a:path h="687482" w="687482">
+                <a:path w="687482" h="687482">
                   <a:moveTo>
                     <a:pt x="0" y="0"/>
                   </a:moveTo>
@@ -6630,20 +6565,56 @@
               </a:pathLst>
             </a:custGeom>
             <a:blipFill>
-              <a:blip r:embed="rId3">
+              <a:blip r:embed="rId2">
                 <a:extLst>
                   <a:ext uri="{96DAC541-7B7A-43D3-8B79-37D633B846F1}">
-                    <asvg:svgBlip xmlns:asvg="http://schemas.microsoft.com/office/drawing/2016/SVG/main" r:embed="rId4"/>
+                    <asvg:svgBlip xmlns:asvg="http://schemas.microsoft.com/office/drawing/2016/SVG/main" r:embed="rId3"/>
                   </a:ext>
                 </a:extLst>
               </a:blip>
               <a:stretch>
-                <a:fillRect l="0" t="0" r="0" b="0"/>
+                <a:fillRect/>
               </a:stretch>
             </a:blipFill>
           </p:spPr>
         </p:sp>
       </p:grpSp>
+      <p:pic>
+        <p:nvPicPr>
+          <p:cNvPr id="9" name="Picture 8">
+            <a:extLst>
+              <a:ext uri="{FF2B5EF4-FFF2-40B4-BE49-F238E27FC236}">
+                <a16:creationId xmlns:a16="http://schemas.microsoft.com/office/drawing/2014/main" id="{DF54156C-67C4-5F2F-6BAC-59BA03CFC2E8}"/>
+              </a:ext>
+            </a:extLst>
+          </p:cNvPr>
+          <p:cNvPicPr>
+            <a:picLocks noChangeAspect="1"/>
+          </p:cNvPicPr>
+          <p:nvPr/>
+        </p:nvPicPr>
+        <p:blipFill>
+          <a:blip r:embed="rId4">
+            <a:extLst>
+              <a:ext uri="{28A0092B-C50C-407E-A947-70E740481C1C}">
+                <a14:useLocalDpi xmlns:a14="http://schemas.microsoft.com/office/drawing/2010/main" val="0"/>
+              </a:ext>
+            </a:extLst>
+          </a:blip>
+          <a:stretch>
+            <a:fillRect/>
+          </a:stretch>
+        </p:blipFill>
+        <p:spPr>
+          <a:xfrm>
+            <a:off x="2819400" y="2583627"/>
+            <a:ext cx="12649200" cy="7115175"/>
+          </a:xfrm>
+          <a:prstGeom prst="rect">
+            <a:avLst/>
+          </a:prstGeom>
+        </p:spPr>
+      </p:pic>
     </p:spTree>
   </p:cSld>
   <p:clrMapOvr>
@@ -6653,7 +6624,7 @@
 </file>
 
 <file path=ppt/slides/slide7.xml><?xml version="1.0" encoding="utf-8"?>
-<p:sld xmlns:p="http://schemas.openxmlformats.org/presentationml/2006/main" xmlns:a="http://schemas.openxmlformats.org/drawingml/2006/main" xmlns:r="http://schemas.openxmlformats.org/officeDocument/2006/relationships">
+<p:sld xmlns:a="http://schemas.openxmlformats.org/drawingml/2006/main" xmlns:r="http://schemas.openxmlformats.org/officeDocument/2006/relationships" xmlns:p="http://schemas.openxmlformats.org/presentationml/2006/main">
   <p:cSld>
     <p:spTree>
       <p:nvGrpSpPr>
@@ -6669,38 +6640,14 @@
           <a:chExt cx="0" cy="0"/>
         </a:xfrm>
       </p:grpSpPr>
-      <p:pic>
-        <p:nvPicPr>
-          <p:cNvPr name="Picture 2" id="2"/>
-          <p:cNvPicPr>
-            <a:picLocks noChangeAspect="true"/>
-          </p:cNvPicPr>
+      <p:sp>
+        <p:nvSpPr>
+          <p:cNvPr id="2" name="TextBox 2"/>
+          <p:cNvSpPr txBox="1"/>
           <p:nvPr/>
-        </p:nvPicPr>
-        <p:blipFill>
-          <a:blip r:embed="rId2"/>
-          <a:stretch>
-            <a:fillRect/>
-          </a:stretch>
-        </p:blipFill>
+        </p:nvSpPr>
         <p:spPr>
-          <a:xfrm rot="0">
-            <a:off x="4934514" y="1913254"/>
-            <a:ext cx="13445221" cy="8465481"/>
-          </a:xfrm>
-          <a:prstGeom prst="rect">
-            <a:avLst/>
-          </a:prstGeom>
-        </p:spPr>
-      </p:pic>
-      <p:sp>
-        <p:nvSpPr>
-          <p:cNvPr name="TextBox 3" id="3"/>
-          <p:cNvSpPr txBox="true"/>
-          <p:nvPr/>
-        </p:nvSpPr>
-        <p:spPr>
-          <a:xfrm rot="0">
+          <a:xfrm>
             <a:off x="1028700" y="1606997"/>
             <a:ext cx="8115300" cy="963930"/>
           </a:xfrm>
@@ -6709,7 +6656,7 @@
           </a:prstGeom>
         </p:spPr>
         <p:txBody>
-          <a:bodyPr anchor="t" rtlCol="false" tIns="0" lIns="0" bIns="0" rIns="0">
+          <a:bodyPr lIns="0" tIns="0" rIns="0" bIns="0" rtlCol="0" anchor="t">
             <a:spAutoFit/>
           </a:bodyPr>
           <a:lstStyle/>
@@ -6736,12 +6683,12 @@
       </p:sp>
       <p:grpSp>
         <p:nvGrpSpPr>
-          <p:cNvPr name="Group 4" id="4"/>
+          <p:cNvPr id="3" name="Group 3"/>
           <p:cNvGrpSpPr/>
           <p:nvPr/>
         </p:nvGrpSpPr>
         <p:grpSpPr>
-          <a:xfrm rot="0">
+          <a:xfrm>
             <a:off x="16466169" y="1028700"/>
             <a:ext cx="793131" cy="793131"/>
             <a:chOff x="0" y="0"/>
@@ -6750,12 +6697,12 @@
         </p:grpSpPr>
         <p:grpSp>
           <p:nvGrpSpPr>
-            <p:cNvPr name="Group 5" id="5"/>
+            <p:cNvPr id="4" name="Group 4"/>
             <p:cNvGrpSpPr/>
             <p:nvPr/>
           </p:nvGrpSpPr>
           <p:grpSpPr>
-            <a:xfrm rot="0">
+            <a:xfrm>
               <a:off x="0" y="0"/>
               <a:ext cx="1057508" cy="1057508"/>
               <a:chOff x="0" y="0"/>
@@ -6764,12 +6711,12 @@
           </p:grpSpPr>
           <p:sp>
             <p:nvSpPr>
-              <p:cNvPr name="Freeform 6" id="6"/>
+              <p:cNvPr id="5" name="Freeform 5"/>
               <p:cNvSpPr/>
               <p:nvPr/>
             </p:nvSpPr>
             <p:spPr>
-              <a:xfrm flipH="false" flipV="false" rot="0">
+              <a:xfrm>
                 <a:off x="0" y="0"/>
                 <a:ext cx="812800" cy="812800"/>
               </a:xfrm>
@@ -6778,9 +6725,9 @@
                 <a:gdLst/>
                 <a:ahLst/>
                 <a:cxnLst/>
-                <a:rect r="r" b="b" t="t" l="l"/>
+                <a:rect l="l" t="t" r="r" b="b"/>
                 <a:pathLst>
-                  <a:path h="812800" w="812800">
+                  <a:path w="812800" h="812800">
                     <a:moveTo>
                       <a:pt x="406400" y="0"/>
                     </a:moveTo>
@@ -6815,8 +6762,8 @@
           </p:sp>
           <p:sp>
             <p:nvSpPr>
-              <p:cNvPr name="TextBox 7" id="7"/>
-              <p:cNvSpPr txBox="true"/>
+              <p:cNvPr id="6" name="TextBox 6"/>
+              <p:cNvSpPr txBox="1"/>
               <p:nvPr/>
             </p:nvSpPr>
             <p:spPr>
@@ -6829,7 +6776,7 @@
               </a:prstGeom>
             </p:spPr>
             <p:txBody>
-              <a:bodyPr anchor="ctr" rtlCol="false" tIns="50800" lIns="50800" bIns="50800" rIns="50800"/>
+              <a:bodyPr lIns="50800" tIns="50800" rIns="50800" bIns="50800" rtlCol="0" anchor="ctr"/>
               <a:lstStyle/>
               <a:p>
                 <a:pPr algn="ctr">
@@ -6837,18 +6784,19 @@
                     <a:spcPts val="1872"/>
                   </a:lnSpc>
                 </a:pPr>
+                <a:endParaRPr/>
               </a:p>
             </p:txBody>
           </p:sp>
         </p:grpSp>
         <p:sp>
           <p:nvSpPr>
-            <p:cNvPr name="Freeform 8" id="8"/>
+            <p:cNvPr id="7" name="Freeform 7"/>
             <p:cNvSpPr/>
             <p:nvPr/>
           </p:nvSpPr>
           <p:spPr>
-            <a:xfrm flipH="false" flipV="false" rot="0">
+            <a:xfrm>
               <a:off x="185013" y="185013"/>
               <a:ext cx="687482" cy="687482"/>
             </a:xfrm>
@@ -6857,9 +6805,9 @@
               <a:gdLst/>
               <a:ahLst/>
               <a:cxnLst/>
-              <a:rect r="r" b="b" t="t" l="l"/>
+              <a:rect l="l" t="t" r="r" b="b"/>
               <a:pathLst>
-                <a:path h="687482" w="687482">
+                <a:path w="687482" h="687482">
                   <a:moveTo>
                     <a:pt x="0" y="0"/>
                   </a:moveTo>
@@ -6880,20 +6828,56 @@
               </a:pathLst>
             </a:custGeom>
             <a:blipFill>
-              <a:blip r:embed="rId3">
+              <a:blip r:embed="rId2">
                 <a:extLst>
                   <a:ext uri="{96DAC541-7B7A-43D3-8B79-37D633B846F1}">
-                    <asvg:svgBlip xmlns:asvg="http://schemas.microsoft.com/office/drawing/2016/SVG/main" r:embed="rId4"/>
+                    <asvg:svgBlip xmlns:asvg="http://schemas.microsoft.com/office/drawing/2016/SVG/main" r:embed="rId3"/>
                   </a:ext>
                 </a:extLst>
               </a:blip>
               <a:stretch>
-                <a:fillRect l="0" t="0" r="0" b="0"/>
+                <a:fillRect/>
               </a:stretch>
             </a:blipFill>
           </p:spPr>
         </p:sp>
       </p:grpSp>
+      <p:pic>
+        <p:nvPicPr>
+          <p:cNvPr id="9" name="Picture 8">
+            <a:extLst>
+              <a:ext uri="{FF2B5EF4-FFF2-40B4-BE49-F238E27FC236}">
+                <a16:creationId xmlns:a16="http://schemas.microsoft.com/office/drawing/2014/main" id="{F99740A8-A981-AB71-68C8-E6E899F678C7}"/>
+              </a:ext>
+            </a:extLst>
+          </p:cNvPr>
+          <p:cNvPicPr>
+            <a:picLocks noChangeAspect="1"/>
+          </p:cNvPicPr>
+          <p:nvPr/>
+        </p:nvPicPr>
+        <p:blipFill>
+          <a:blip r:embed="rId4">
+            <a:extLst>
+              <a:ext uri="{28A0092B-C50C-407E-A947-70E740481C1C}">
+                <a14:useLocalDpi xmlns:a14="http://schemas.microsoft.com/office/drawing/2010/main" val="0"/>
+              </a:ext>
+            </a:extLst>
+          </a:blip>
+          <a:stretch>
+            <a:fillRect/>
+          </a:stretch>
+        </p:blipFill>
+        <p:spPr>
+          <a:xfrm>
+            <a:off x="3081866" y="2705100"/>
+            <a:ext cx="12124267" cy="6819900"/>
+          </a:xfrm>
+          <a:prstGeom prst="rect">
+            <a:avLst/>
+          </a:prstGeom>
+        </p:spPr>
+      </p:pic>
     </p:spTree>
   </p:cSld>
   <p:clrMapOvr>
@@ -6903,7 +6887,7 @@
 </file>
 
 <file path=ppt/slides/slide8.xml><?xml version="1.0" encoding="utf-8"?>
-<p:sld xmlns:p="http://schemas.openxmlformats.org/presentationml/2006/main" xmlns:a="http://schemas.openxmlformats.org/drawingml/2006/main" xmlns:r="http://schemas.openxmlformats.org/officeDocument/2006/relationships">
+<p:sld xmlns:a="http://schemas.openxmlformats.org/drawingml/2006/main" xmlns:r="http://schemas.openxmlformats.org/officeDocument/2006/relationships" xmlns:p="http://schemas.openxmlformats.org/presentationml/2006/main">
   <p:cSld>
     <p:spTree>
       <p:nvGrpSpPr>
@@ -6919,38 +6903,14 @@
           <a:chExt cx="0" cy="0"/>
         </a:xfrm>
       </p:grpSpPr>
-      <p:pic>
-        <p:nvPicPr>
-          <p:cNvPr name="Picture 2" id="2"/>
-          <p:cNvPicPr>
-            <a:picLocks noChangeAspect="true"/>
-          </p:cNvPicPr>
+      <p:sp>
+        <p:nvSpPr>
+          <p:cNvPr id="2" name="TextBox 2"/>
+          <p:cNvSpPr txBox="1"/>
           <p:nvPr/>
-        </p:nvPicPr>
-        <p:blipFill>
-          <a:blip r:embed="rId2"/>
-          <a:stretch>
-            <a:fillRect/>
-          </a:stretch>
-        </p:blipFill>
+        </p:nvSpPr>
         <p:spPr>
-          <a:xfrm rot="0">
-            <a:off x="4934514" y="1913254"/>
-            <a:ext cx="13445221" cy="8465481"/>
-          </a:xfrm>
-          <a:prstGeom prst="rect">
-            <a:avLst/>
-          </a:prstGeom>
-        </p:spPr>
-      </p:pic>
-      <p:sp>
-        <p:nvSpPr>
-          <p:cNvPr name="TextBox 3" id="3"/>
-          <p:cNvSpPr txBox="true"/>
-          <p:nvPr/>
-        </p:nvSpPr>
-        <p:spPr>
-          <a:xfrm rot="0">
+          <a:xfrm>
             <a:off x="1028700" y="1606997"/>
             <a:ext cx="7297845" cy="963930"/>
           </a:xfrm>
@@ -6959,7 +6919,7 @@
           </a:prstGeom>
         </p:spPr>
         <p:txBody>
-          <a:bodyPr anchor="t" rtlCol="false" tIns="0" lIns="0" bIns="0" rIns="0">
+          <a:bodyPr lIns="0" tIns="0" rIns="0" bIns="0" rtlCol="0" anchor="t">
             <a:spAutoFit/>
           </a:bodyPr>
           <a:lstStyle/>
@@ -6986,12 +6946,12 @@
       </p:sp>
       <p:grpSp>
         <p:nvGrpSpPr>
-          <p:cNvPr name="Group 4" id="4"/>
+          <p:cNvPr id="3" name="Group 3"/>
           <p:cNvGrpSpPr/>
           <p:nvPr/>
         </p:nvGrpSpPr>
         <p:grpSpPr>
-          <a:xfrm rot="0">
+          <a:xfrm>
             <a:off x="16466169" y="1028700"/>
             <a:ext cx="793131" cy="793131"/>
             <a:chOff x="0" y="0"/>
@@ -7000,12 +6960,12 @@
         </p:grpSpPr>
         <p:grpSp>
           <p:nvGrpSpPr>
-            <p:cNvPr name="Group 5" id="5"/>
+            <p:cNvPr id="4" name="Group 4"/>
             <p:cNvGrpSpPr/>
             <p:nvPr/>
           </p:nvGrpSpPr>
           <p:grpSpPr>
-            <a:xfrm rot="0">
+            <a:xfrm>
               <a:off x="0" y="0"/>
               <a:ext cx="1057508" cy="1057508"/>
               <a:chOff x="0" y="0"/>
@@ -7014,12 +6974,12 @@
           </p:grpSpPr>
           <p:sp>
             <p:nvSpPr>
-              <p:cNvPr name="Freeform 6" id="6"/>
+              <p:cNvPr id="5" name="Freeform 5"/>
               <p:cNvSpPr/>
               <p:nvPr/>
             </p:nvSpPr>
             <p:spPr>
-              <a:xfrm flipH="false" flipV="false" rot="0">
+              <a:xfrm>
                 <a:off x="0" y="0"/>
                 <a:ext cx="812800" cy="812800"/>
               </a:xfrm>
@@ -7028,9 +6988,9 @@
                 <a:gdLst/>
                 <a:ahLst/>
                 <a:cxnLst/>
-                <a:rect r="r" b="b" t="t" l="l"/>
+                <a:rect l="l" t="t" r="r" b="b"/>
                 <a:pathLst>
-                  <a:path h="812800" w="812800">
+                  <a:path w="812800" h="812800">
                     <a:moveTo>
                       <a:pt x="406400" y="0"/>
                     </a:moveTo>
@@ -7065,8 +7025,8 @@
           </p:sp>
           <p:sp>
             <p:nvSpPr>
-              <p:cNvPr name="TextBox 7" id="7"/>
-              <p:cNvSpPr txBox="true"/>
+              <p:cNvPr id="6" name="TextBox 6"/>
+              <p:cNvSpPr txBox="1"/>
               <p:nvPr/>
             </p:nvSpPr>
             <p:spPr>
@@ -7079,7 +7039,7 @@
               </a:prstGeom>
             </p:spPr>
             <p:txBody>
-              <a:bodyPr anchor="ctr" rtlCol="false" tIns="50800" lIns="50800" bIns="50800" rIns="50800"/>
+              <a:bodyPr lIns="50800" tIns="50800" rIns="50800" bIns="50800" rtlCol="0" anchor="ctr"/>
               <a:lstStyle/>
               <a:p>
                 <a:pPr algn="ctr">
@@ -7087,18 +7047,19 @@
                     <a:spcPts val="1872"/>
                   </a:lnSpc>
                 </a:pPr>
+                <a:endParaRPr/>
               </a:p>
             </p:txBody>
           </p:sp>
         </p:grpSp>
         <p:sp>
           <p:nvSpPr>
-            <p:cNvPr name="Freeform 8" id="8"/>
+            <p:cNvPr id="7" name="Freeform 7"/>
             <p:cNvSpPr/>
             <p:nvPr/>
           </p:nvSpPr>
           <p:spPr>
-            <a:xfrm flipH="false" flipV="false" rot="0">
+            <a:xfrm>
               <a:off x="185013" y="185013"/>
               <a:ext cx="687482" cy="687482"/>
             </a:xfrm>
@@ -7107,9 +7068,9 @@
               <a:gdLst/>
               <a:ahLst/>
               <a:cxnLst/>
-              <a:rect r="r" b="b" t="t" l="l"/>
+              <a:rect l="l" t="t" r="r" b="b"/>
               <a:pathLst>
-                <a:path h="687482" w="687482">
+                <a:path w="687482" h="687482">
                   <a:moveTo>
                     <a:pt x="0" y="0"/>
                   </a:moveTo>
@@ -7130,20 +7091,56 @@
               </a:pathLst>
             </a:custGeom>
             <a:blipFill>
-              <a:blip r:embed="rId3">
+              <a:blip r:embed="rId2">
                 <a:extLst>
                   <a:ext uri="{96DAC541-7B7A-43D3-8B79-37D633B846F1}">
-                    <asvg:svgBlip xmlns:asvg="http://schemas.microsoft.com/office/drawing/2016/SVG/main" r:embed="rId4"/>
+                    <asvg:svgBlip xmlns:asvg="http://schemas.microsoft.com/office/drawing/2016/SVG/main" r:embed="rId3"/>
                   </a:ext>
                 </a:extLst>
               </a:blip>
               <a:stretch>
-                <a:fillRect l="0" t="0" r="0" b="0"/>
+                <a:fillRect/>
               </a:stretch>
             </a:blipFill>
           </p:spPr>
         </p:sp>
       </p:grpSp>
+      <p:pic>
+        <p:nvPicPr>
+          <p:cNvPr id="9" name="Picture 8">
+            <a:extLst>
+              <a:ext uri="{FF2B5EF4-FFF2-40B4-BE49-F238E27FC236}">
+                <a16:creationId xmlns:a16="http://schemas.microsoft.com/office/drawing/2014/main" id="{6115ADF0-771E-98B1-4351-335F09BB42C3}"/>
+              </a:ext>
+            </a:extLst>
+          </p:cNvPr>
+          <p:cNvPicPr>
+            <a:picLocks noChangeAspect="1"/>
+          </p:cNvPicPr>
+          <p:nvPr/>
+        </p:nvPicPr>
+        <p:blipFill>
+          <a:blip r:embed="rId4">
+            <a:extLst>
+              <a:ext uri="{28A0092B-C50C-407E-A947-70E740481C1C}">
+                <a14:useLocalDpi xmlns:a14="http://schemas.microsoft.com/office/drawing/2010/main" val="0"/>
+              </a:ext>
+            </a:extLst>
+          </a:blip>
+          <a:stretch>
+            <a:fillRect/>
+          </a:stretch>
+        </p:blipFill>
+        <p:spPr>
+          <a:xfrm>
+            <a:off x="2667000" y="2570927"/>
+            <a:ext cx="12725400" cy="7158038"/>
+          </a:xfrm>
+          <a:prstGeom prst="rect">
+            <a:avLst/>
+          </a:prstGeom>
+        </p:spPr>
+      </p:pic>
     </p:spTree>
   </p:cSld>
   <p:clrMapOvr>
@@ -7153,7 +7150,7 @@
 </file>
 
 <file path=ppt/slides/slide9.xml><?xml version="1.0" encoding="utf-8"?>
-<p:sld xmlns:p="http://schemas.openxmlformats.org/presentationml/2006/main" xmlns:a="http://schemas.openxmlformats.org/drawingml/2006/main" xmlns:r="http://schemas.openxmlformats.org/officeDocument/2006/relationships">
+<p:sld xmlns:a="http://schemas.openxmlformats.org/drawingml/2006/main" xmlns:r="http://schemas.openxmlformats.org/officeDocument/2006/relationships" xmlns:p="http://schemas.openxmlformats.org/presentationml/2006/main">
   <p:cSld>
     <p:spTree>
       <p:nvGrpSpPr>
@@ -7169,38 +7166,14 @@
           <a:chExt cx="0" cy="0"/>
         </a:xfrm>
       </p:grpSpPr>
-      <p:pic>
-        <p:nvPicPr>
-          <p:cNvPr name="Picture 2" id="2"/>
-          <p:cNvPicPr>
-            <a:picLocks noChangeAspect="true"/>
-          </p:cNvPicPr>
+      <p:sp>
+        <p:nvSpPr>
+          <p:cNvPr id="2" name="TextBox 2"/>
+          <p:cNvSpPr txBox="1"/>
           <p:nvPr/>
-        </p:nvPicPr>
-        <p:blipFill>
-          <a:blip r:embed="rId2"/>
-          <a:stretch>
-            <a:fillRect/>
-          </a:stretch>
-        </p:blipFill>
+        </p:nvSpPr>
         <p:spPr>
-          <a:xfrm rot="0">
-            <a:off x="4934514" y="1913254"/>
-            <a:ext cx="13445221" cy="8465481"/>
-          </a:xfrm>
-          <a:prstGeom prst="rect">
-            <a:avLst/>
-          </a:prstGeom>
-        </p:spPr>
-      </p:pic>
-      <p:sp>
-        <p:nvSpPr>
-          <p:cNvPr name="TextBox 3" id="3"/>
-          <p:cNvSpPr txBox="true"/>
-          <p:nvPr/>
-        </p:nvSpPr>
-        <p:spPr>
-          <a:xfrm rot="0">
+          <a:xfrm>
             <a:off x="1028700" y="1606997"/>
             <a:ext cx="6998918" cy="963930"/>
           </a:xfrm>
@@ -7209,7 +7182,7 @@
           </a:prstGeom>
         </p:spPr>
         <p:txBody>
-          <a:bodyPr anchor="t" rtlCol="false" tIns="0" lIns="0" bIns="0" rIns="0">
+          <a:bodyPr lIns="0" tIns="0" rIns="0" bIns="0" rtlCol="0" anchor="t">
             <a:spAutoFit/>
           </a:bodyPr>
           <a:lstStyle/>
@@ -7236,12 +7209,12 @@
       </p:sp>
       <p:grpSp>
         <p:nvGrpSpPr>
-          <p:cNvPr name="Group 4" id="4"/>
+          <p:cNvPr id="3" name="Group 3"/>
           <p:cNvGrpSpPr/>
           <p:nvPr/>
         </p:nvGrpSpPr>
         <p:grpSpPr>
-          <a:xfrm rot="0">
+          <a:xfrm>
             <a:off x="16466169" y="1028700"/>
             <a:ext cx="793131" cy="793131"/>
             <a:chOff x="0" y="0"/>
@@ -7250,12 +7223,12 @@
         </p:grpSpPr>
         <p:grpSp>
           <p:nvGrpSpPr>
-            <p:cNvPr name="Group 5" id="5"/>
+            <p:cNvPr id="4" name="Group 4"/>
             <p:cNvGrpSpPr/>
             <p:nvPr/>
           </p:nvGrpSpPr>
           <p:grpSpPr>
-            <a:xfrm rot="0">
+            <a:xfrm>
               <a:off x="0" y="0"/>
               <a:ext cx="1057508" cy="1057508"/>
               <a:chOff x="0" y="0"/>
@@ -7264,12 +7237,12 @@
           </p:grpSpPr>
           <p:sp>
             <p:nvSpPr>
-              <p:cNvPr name="Freeform 6" id="6"/>
+              <p:cNvPr id="5" name="Freeform 5"/>
               <p:cNvSpPr/>
               <p:nvPr/>
             </p:nvSpPr>
             <p:spPr>
-              <a:xfrm flipH="false" flipV="false" rot="0">
+              <a:xfrm>
                 <a:off x="0" y="0"/>
                 <a:ext cx="812800" cy="812800"/>
               </a:xfrm>
@@ -7278,9 +7251,9 @@
                 <a:gdLst/>
                 <a:ahLst/>
                 <a:cxnLst/>
-                <a:rect r="r" b="b" t="t" l="l"/>
+                <a:rect l="l" t="t" r="r" b="b"/>
                 <a:pathLst>
-                  <a:path h="812800" w="812800">
+                  <a:path w="812800" h="812800">
                     <a:moveTo>
                       <a:pt x="406400" y="0"/>
                     </a:moveTo>
@@ -7315,8 +7288,8 @@
           </p:sp>
           <p:sp>
             <p:nvSpPr>
-              <p:cNvPr name="TextBox 7" id="7"/>
-              <p:cNvSpPr txBox="true"/>
+              <p:cNvPr id="6" name="TextBox 6"/>
+              <p:cNvSpPr txBox="1"/>
               <p:nvPr/>
             </p:nvSpPr>
             <p:spPr>
@@ -7329,7 +7302,7 @@
               </a:prstGeom>
             </p:spPr>
             <p:txBody>
-              <a:bodyPr anchor="ctr" rtlCol="false" tIns="50800" lIns="50800" bIns="50800" rIns="50800"/>
+              <a:bodyPr lIns="50800" tIns="50800" rIns="50800" bIns="50800" rtlCol="0" anchor="ctr"/>
               <a:lstStyle/>
               <a:p>
                 <a:pPr algn="ctr">
@@ -7337,18 +7310,19 @@
                     <a:spcPts val="1872"/>
                   </a:lnSpc>
                 </a:pPr>
+                <a:endParaRPr/>
               </a:p>
             </p:txBody>
           </p:sp>
         </p:grpSp>
         <p:sp>
           <p:nvSpPr>
-            <p:cNvPr name="Freeform 8" id="8"/>
+            <p:cNvPr id="7" name="Freeform 7"/>
             <p:cNvSpPr/>
             <p:nvPr/>
           </p:nvSpPr>
           <p:spPr>
-            <a:xfrm flipH="false" flipV="false" rot="0">
+            <a:xfrm>
               <a:off x="185013" y="185013"/>
               <a:ext cx="687482" cy="687482"/>
             </a:xfrm>
@@ -7357,9 +7331,9 @@
               <a:gdLst/>
               <a:ahLst/>
               <a:cxnLst/>
-              <a:rect r="r" b="b" t="t" l="l"/>
+              <a:rect l="l" t="t" r="r" b="b"/>
               <a:pathLst>
-                <a:path h="687482" w="687482">
+                <a:path w="687482" h="687482">
                   <a:moveTo>
                     <a:pt x="0" y="0"/>
                   </a:moveTo>
@@ -7380,20 +7354,56 @@
               </a:pathLst>
             </a:custGeom>
             <a:blipFill>
-              <a:blip r:embed="rId3">
+              <a:blip r:embed="rId2">
                 <a:extLst>
                   <a:ext uri="{96DAC541-7B7A-43D3-8B79-37D633B846F1}">
-                    <asvg:svgBlip xmlns:asvg="http://schemas.microsoft.com/office/drawing/2016/SVG/main" r:embed="rId4"/>
+                    <asvg:svgBlip xmlns:asvg="http://schemas.microsoft.com/office/drawing/2016/SVG/main" r:embed="rId3"/>
                   </a:ext>
                 </a:extLst>
               </a:blip>
               <a:stretch>
-                <a:fillRect l="0" t="0" r="0" b="0"/>
+                <a:fillRect/>
               </a:stretch>
             </a:blipFill>
           </p:spPr>
         </p:sp>
       </p:grpSp>
+      <p:pic>
+        <p:nvPicPr>
+          <p:cNvPr id="11" name="Picture 10">
+            <a:extLst>
+              <a:ext uri="{FF2B5EF4-FFF2-40B4-BE49-F238E27FC236}">
+                <a16:creationId xmlns:a16="http://schemas.microsoft.com/office/drawing/2014/main" id="{67B9217C-89C0-6218-18A5-35693727C145}"/>
+              </a:ext>
+            </a:extLst>
+          </p:cNvPr>
+          <p:cNvPicPr>
+            <a:picLocks noChangeAspect="1"/>
+          </p:cNvPicPr>
+          <p:nvPr/>
+        </p:nvPicPr>
+        <p:blipFill>
+          <a:blip r:embed="rId4">
+            <a:extLst>
+              <a:ext uri="{28A0092B-C50C-407E-A947-70E740481C1C}">
+                <a14:useLocalDpi xmlns:a14="http://schemas.microsoft.com/office/drawing/2010/main" val="0"/>
+              </a:ext>
+            </a:extLst>
+          </a:blip>
+          <a:stretch>
+            <a:fillRect/>
+          </a:stretch>
+        </p:blipFill>
+        <p:spPr>
+          <a:xfrm>
+            <a:off x="2819400" y="2605398"/>
+            <a:ext cx="12192000" cy="6858000"/>
+          </a:xfrm>
+          <a:prstGeom prst="rect">
+            <a:avLst/>
+          </a:prstGeom>
+        </p:spPr>
+      </p:pic>
     </p:spTree>
   </p:cSld>
   <p:clrMapOvr>
